--- a/UE5_ppt/Lumen分析图.pptx
+++ b/UE5_ppt/Lumen分析图.pptx
@@ -198,7 +198,7 @@
           <a:p>
             <a:fld id="{EBED92C1-E1E7-4A47-950D-CDDCB864850B}" type="datetimeFigureOut">
               <a:rPr lang="zh-CN" altLang="en-US" smtClean="0"/>
-              <a:t>2021/6/12</a:t>
+              <a:t>2021/7/3</a:t>
             </a:fld>
             <a:endParaRPr lang="zh-CN" altLang="en-US"/>
           </a:p>
@@ -681,7 +681,7 @@
           <a:p>
             <a:fld id="{6C53308C-9145-4105-91FB-D2AE27DEB393}" type="datetimeFigureOut">
               <a:rPr lang="zh-CN" altLang="en-US" smtClean="0"/>
-              <a:t>2021/6/12</a:t>
+              <a:t>2021/7/3</a:t>
             </a:fld>
             <a:endParaRPr lang="zh-CN" altLang="en-US"/>
           </a:p>
@@ -851,7 +851,7 @@
           <a:p>
             <a:fld id="{6C53308C-9145-4105-91FB-D2AE27DEB393}" type="datetimeFigureOut">
               <a:rPr lang="zh-CN" altLang="en-US" smtClean="0"/>
-              <a:t>2021/6/12</a:t>
+              <a:t>2021/7/3</a:t>
             </a:fld>
             <a:endParaRPr lang="zh-CN" altLang="en-US"/>
           </a:p>
@@ -1031,7 +1031,7 @@
           <a:p>
             <a:fld id="{6C53308C-9145-4105-91FB-D2AE27DEB393}" type="datetimeFigureOut">
               <a:rPr lang="zh-CN" altLang="en-US" smtClean="0"/>
-              <a:t>2021/6/12</a:t>
+              <a:t>2021/7/3</a:t>
             </a:fld>
             <a:endParaRPr lang="zh-CN" altLang="en-US"/>
           </a:p>
@@ -1201,7 +1201,7 @@
           <a:p>
             <a:fld id="{6C53308C-9145-4105-91FB-D2AE27DEB393}" type="datetimeFigureOut">
               <a:rPr lang="zh-CN" altLang="en-US" smtClean="0"/>
-              <a:t>2021/6/12</a:t>
+              <a:t>2021/7/3</a:t>
             </a:fld>
             <a:endParaRPr lang="zh-CN" altLang="en-US"/>
           </a:p>
@@ -1447,7 +1447,7 @@
           <a:p>
             <a:fld id="{6C53308C-9145-4105-91FB-D2AE27DEB393}" type="datetimeFigureOut">
               <a:rPr lang="zh-CN" altLang="en-US" smtClean="0"/>
-              <a:t>2021/6/12</a:t>
+              <a:t>2021/7/3</a:t>
             </a:fld>
             <a:endParaRPr lang="zh-CN" altLang="en-US"/>
           </a:p>
@@ -1679,7 +1679,7 @@
           <a:p>
             <a:fld id="{6C53308C-9145-4105-91FB-D2AE27DEB393}" type="datetimeFigureOut">
               <a:rPr lang="zh-CN" altLang="en-US" smtClean="0"/>
-              <a:t>2021/6/12</a:t>
+              <a:t>2021/7/3</a:t>
             </a:fld>
             <a:endParaRPr lang="zh-CN" altLang="en-US"/>
           </a:p>
@@ -2046,7 +2046,7 @@
           <a:p>
             <a:fld id="{6C53308C-9145-4105-91FB-D2AE27DEB393}" type="datetimeFigureOut">
               <a:rPr lang="zh-CN" altLang="en-US" smtClean="0"/>
-              <a:t>2021/6/12</a:t>
+              <a:t>2021/7/3</a:t>
             </a:fld>
             <a:endParaRPr lang="zh-CN" altLang="en-US"/>
           </a:p>
@@ -2164,7 +2164,7 @@
           <a:p>
             <a:fld id="{6C53308C-9145-4105-91FB-D2AE27DEB393}" type="datetimeFigureOut">
               <a:rPr lang="zh-CN" altLang="en-US" smtClean="0"/>
-              <a:t>2021/6/12</a:t>
+              <a:t>2021/7/3</a:t>
             </a:fld>
             <a:endParaRPr lang="zh-CN" altLang="en-US"/>
           </a:p>
@@ -2259,7 +2259,7 @@
           <a:p>
             <a:fld id="{6C53308C-9145-4105-91FB-D2AE27DEB393}" type="datetimeFigureOut">
               <a:rPr lang="zh-CN" altLang="en-US" smtClean="0"/>
-              <a:t>2021/6/12</a:t>
+              <a:t>2021/7/3</a:t>
             </a:fld>
             <a:endParaRPr lang="zh-CN" altLang="en-US"/>
           </a:p>
@@ -2536,7 +2536,7 @@
           <a:p>
             <a:fld id="{6C53308C-9145-4105-91FB-D2AE27DEB393}" type="datetimeFigureOut">
               <a:rPr lang="zh-CN" altLang="en-US" smtClean="0"/>
-              <a:t>2021/6/12</a:t>
+              <a:t>2021/7/3</a:t>
             </a:fld>
             <a:endParaRPr lang="zh-CN" altLang="en-US"/>
           </a:p>
@@ -2789,7 +2789,7 @@
           <a:p>
             <a:fld id="{6C53308C-9145-4105-91FB-D2AE27DEB393}" type="datetimeFigureOut">
               <a:rPr lang="zh-CN" altLang="en-US" smtClean="0"/>
-              <a:t>2021/6/12</a:t>
+              <a:t>2021/7/3</a:t>
             </a:fld>
             <a:endParaRPr lang="zh-CN" altLang="en-US"/>
           </a:p>
@@ -3002,7 +3002,7 @@
           <a:p>
             <a:fld id="{6C53308C-9145-4105-91FB-D2AE27DEB393}" type="datetimeFigureOut">
               <a:rPr lang="zh-CN" altLang="en-US" smtClean="0"/>
-              <a:t>2021/6/12</a:t>
+              <a:t>2021/7/3</a:t>
             </a:fld>
             <a:endParaRPr lang="zh-CN" altLang="en-US"/>
           </a:p>
@@ -5903,6 +5903,370 @@
           <a:chExt cx="0" cy="0"/>
         </a:xfrm>
       </p:grpSpPr>
+      <p:pic>
+        <p:nvPicPr>
+          <p:cNvPr id="2" name="图片 1"/>
+          <p:cNvPicPr>
+            <a:picLocks noChangeAspect="1"/>
+          </p:cNvPicPr>
+          <p:nvPr/>
+        </p:nvPicPr>
+        <p:blipFill>
+          <a:blip r:embed="rId2"/>
+          <a:stretch>
+            <a:fillRect/>
+          </a:stretch>
+        </p:blipFill>
+        <p:spPr>
+          <a:xfrm>
+            <a:off x="8869408" y="103809"/>
+            <a:ext cx="2950236" cy="6680656"/>
+          </a:xfrm>
+          <a:prstGeom prst="rect">
+            <a:avLst/>
+          </a:prstGeom>
+        </p:spPr>
+      </p:pic>
+      <p:sp>
+        <p:nvSpPr>
+          <p:cNvPr id="3" name="文本框 2"/>
+          <p:cNvSpPr txBox="1"/>
+          <p:nvPr/>
+        </p:nvSpPr>
+        <p:spPr>
+          <a:xfrm>
+            <a:off x="7647709" y="2583340"/>
+            <a:ext cx="970137" cy="369332"/>
+          </a:xfrm>
+          <a:prstGeom prst="rect">
+            <a:avLst/>
+          </a:prstGeom>
+          <a:noFill/>
+        </p:spPr>
+        <p:txBody>
+          <a:bodyPr wrap="none" rtlCol="0">
+            <a:spAutoFit/>
+          </a:bodyPr>
+          <a:lstStyle/>
+          <a:p>
+            <a:r>
+              <a:rPr lang="en-US" altLang="zh-CN" dirty="0" err="1" smtClean="0"/>
+              <a:t>Shaders</a:t>
+            </a:r>
+            <a:endParaRPr lang="zh-CN" altLang="en-US" dirty="0"/>
+          </a:p>
+        </p:txBody>
+      </p:sp>
+      <p:pic>
+        <p:nvPicPr>
+          <p:cNvPr id="4" name="图片 3"/>
+          <p:cNvPicPr>
+            <a:picLocks noChangeAspect="1"/>
+          </p:cNvPicPr>
+          <p:nvPr/>
+        </p:nvPicPr>
+        <p:blipFill>
+          <a:blip r:embed="rId3"/>
+          <a:stretch>
+            <a:fillRect/>
+          </a:stretch>
+        </p:blipFill>
+        <p:spPr>
+          <a:xfrm>
+            <a:off x="4509121" y="1103768"/>
+            <a:ext cx="2959544" cy="5081276"/>
+          </a:xfrm>
+          <a:prstGeom prst="rect">
+            <a:avLst/>
+          </a:prstGeom>
+        </p:spPr>
+      </p:pic>
+      <p:sp>
+        <p:nvSpPr>
+          <p:cNvPr id="5" name="文本框 4"/>
+          <p:cNvSpPr txBox="1"/>
+          <p:nvPr/>
+        </p:nvSpPr>
+        <p:spPr>
+          <a:xfrm>
+            <a:off x="249383" y="713290"/>
+            <a:ext cx="2326278" cy="307777"/>
+          </a:xfrm>
+          <a:prstGeom prst="rect">
+            <a:avLst/>
+          </a:prstGeom>
+          <a:noFill/>
+        </p:spPr>
+        <p:txBody>
+          <a:bodyPr wrap="none" rtlCol="0">
+            <a:spAutoFit/>
+          </a:bodyPr>
+          <a:lstStyle/>
+          <a:p>
+            <a:r>
+              <a:rPr lang="en-US" altLang="zh-CN" sz="1400" dirty="0" smtClean="0"/>
+              <a:t>Lumen</a:t>
+            </a:r>
+            <a:r>
+              <a:rPr lang="zh-CN" altLang="en-US" sz="1400" dirty="0" smtClean="0"/>
+              <a:t>的代码量相对较大：</a:t>
+            </a:r>
+            <a:endParaRPr lang="en-US" altLang="zh-CN" sz="1400" dirty="0" smtClean="0"/>
+          </a:p>
+        </p:txBody>
+      </p:sp>
+      <p:sp>
+        <p:nvSpPr>
+          <p:cNvPr id="6" name="文本框 5"/>
+          <p:cNvSpPr txBox="1"/>
+          <p:nvPr/>
+        </p:nvSpPr>
+        <p:spPr>
+          <a:xfrm>
+            <a:off x="3173640" y="2583340"/>
+            <a:ext cx="635110" cy="369332"/>
+          </a:xfrm>
+          <a:prstGeom prst="rect">
+            <a:avLst/>
+          </a:prstGeom>
+          <a:noFill/>
+        </p:spPr>
+        <p:txBody>
+          <a:bodyPr wrap="none" rtlCol="0">
+            <a:spAutoFit/>
+          </a:bodyPr>
+          <a:lstStyle/>
+          <a:p>
+            <a:r>
+              <a:rPr lang="en-US" altLang="zh-CN" dirty="0" smtClean="0"/>
+              <a:t>C++</a:t>
+            </a:r>
+            <a:endParaRPr lang="zh-CN" altLang="en-US" dirty="0"/>
+          </a:p>
+        </p:txBody>
+      </p:sp>
+      <p:graphicFrame>
+        <p:nvGraphicFramePr>
+          <p:cNvPr id="8" name="表格 7"/>
+          <p:cNvGraphicFramePr>
+            <a:graphicFrameLocks noGrp="1"/>
+          </p:cNvGraphicFramePr>
+          <p:nvPr>
+            <p:extLst>
+              <p:ext uri="{D42A27DB-BD31-4B8C-83A1-F6EECF244321}">
+                <p14:modId xmlns:p14="http://schemas.microsoft.com/office/powerpoint/2010/main" val="1679333974"/>
+              </p:ext>
+            </p:extLst>
+          </p:nvPr>
+        </p:nvGraphicFramePr>
+        <p:xfrm>
+          <a:off x="249383" y="1103768"/>
+          <a:ext cx="3448005" cy="1112520"/>
+        </p:xfrm>
+        <a:graphic>
+          <a:graphicData uri="http://schemas.openxmlformats.org/drawingml/2006/table">
+            <a:tbl>
+              <a:tblPr firstRow="1" bandRow="1">
+                <a:tableStyleId>{5C22544A-7EE6-4342-B048-85BDC9FD1C3A}</a:tableStyleId>
+              </a:tblPr>
+              <a:tblGrid>
+                <a:gridCol w="1149335">
+                  <a:extLst>
+                    <a:ext uri="{9D8B030D-6E8A-4147-A177-3AD203B41FA5}">
+                      <a16:colId xmlns:a16="http://schemas.microsoft.com/office/drawing/2014/main" val="4266524756"/>
+                    </a:ext>
+                  </a:extLst>
+                </a:gridCol>
+                <a:gridCol w="1149335">
+                  <a:extLst>
+                    <a:ext uri="{9D8B030D-6E8A-4147-A177-3AD203B41FA5}">
+                      <a16:colId xmlns:a16="http://schemas.microsoft.com/office/drawing/2014/main" val="2603427451"/>
+                    </a:ext>
+                  </a:extLst>
+                </a:gridCol>
+                <a:gridCol w="1149335">
+                  <a:extLst>
+                    <a:ext uri="{9D8B030D-6E8A-4147-A177-3AD203B41FA5}">
+                      <a16:colId xmlns:a16="http://schemas.microsoft.com/office/drawing/2014/main" val="401037642"/>
+                    </a:ext>
+                  </a:extLst>
+                </a:gridCol>
+              </a:tblGrid>
+              <a:tr h="370840">
+                <a:tc>
+                  <a:txBody>
+                    <a:bodyPr/>
+                    <a:lstStyle/>
+                    <a:p>
+                      <a:endParaRPr lang="zh-CN" altLang="en-US" dirty="0"/>
+                    </a:p>
+                  </a:txBody>
+                  <a:tcPr/>
+                </a:tc>
+                <a:tc>
+                  <a:txBody>
+                    <a:bodyPr/>
+                    <a:lstStyle/>
+                    <a:p>
+                      <a:r>
+                        <a:rPr lang="en-US" altLang="zh-CN" sz="1800" kern="1200" dirty="0" err="1" smtClean="0">
+                          <a:solidFill>
+                            <a:schemeClr val="dk1"/>
+                          </a:solidFill>
+                          <a:latin typeface="+mn-lt"/>
+                          <a:ea typeface="+mn-ea"/>
+                          <a:cs typeface="+mn-cs"/>
+                        </a:rPr>
+                        <a:t>Nanite</a:t>
+                      </a:r>
+                      <a:endParaRPr lang="zh-CN" altLang="en-US" sz="1800" kern="1200" dirty="0">
+                        <a:solidFill>
+                          <a:schemeClr val="dk1"/>
+                        </a:solidFill>
+                        <a:latin typeface="+mn-lt"/>
+                        <a:ea typeface="+mn-ea"/>
+                        <a:cs typeface="+mn-cs"/>
+                      </a:endParaRPr>
+                    </a:p>
+                  </a:txBody>
+                  <a:tcPr/>
+                </a:tc>
+                <a:tc>
+                  <a:txBody>
+                    <a:bodyPr/>
+                    <a:lstStyle/>
+                    <a:p>
+                      <a:r>
+                        <a:rPr lang="en-US" altLang="zh-CN" sz="1800" kern="1200" dirty="0" smtClean="0">
+                          <a:solidFill>
+                            <a:schemeClr val="dk1"/>
+                          </a:solidFill>
+                          <a:latin typeface="+mn-lt"/>
+                          <a:ea typeface="+mn-ea"/>
+                          <a:cs typeface="+mn-cs"/>
+                        </a:rPr>
+                        <a:t>Lumen</a:t>
+                      </a:r>
+                      <a:endParaRPr lang="zh-CN" altLang="en-US" sz="1800" kern="1200" dirty="0">
+                        <a:solidFill>
+                          <a:schemeClr val="dk1"/>
+                        </a:solidFill>
+                        <a:latin typeface="+mn-lt"/>
+                        <a:ea typeface="+mn-ea"/>
+                        <a:cs typeface="+mn-cs"/>
+                      </a:endParaRPr>
+                    </a:p>
+                  </a:txBody>
+                  <a:tcPr/>
+                </a:tc>
+                <a:extLst>
+                  <a:ext uri="{0D108BD9-81ED-4DB2-BD59-A6C34878D82A}">
+                    <a16:rowId xmlns:a16="http://schemas.microsoft.com/office/drawing/2014/main" val="1225752614"/>
+                  </a:ext>
+                </a:extLst>
+              </a:tr>
+              <a:tr h="370840">
+                <a:tc>
+                  <a:txBody>
+                    <a:bodyPr/>
+                    <a:lstStyle/>
+                    <a:p>
+                      <a:r>
+                        <a:rPr lang="en-US" altLang="zh-CN" dirty="0" err="1" smtClean="0"/>
+                        <a:t>Shader</a:t>
+                      </a:r>
+                      <a:endParaRPr lang="zh-CN" altLang="en-US" dirty="0"/>
+                    </a:p>
+                  </a:txBody>
+                  <a:tcPr/>
+                </a:tc>
+                <a:tc>
+                  <a:txBody>
+                    <a:bodyPr/>
+                    <a:lstStyle/>
+                    <a:p>
+                      <a:r>
+                        <a:rPr lang="en-US" altLang="zh-CN" dirty="0" smtClean="0"/>
+                        <a:t>7022</a:t>
+                      </a:r>
+                      <a:endParaRPr lang="zh-CN" altLang="en-US" dirty="0"/>
+                    </a:p>
+                  </a:txBody>
+                  <a:tcPr/>
+                </a:tc>
+                <a:tc>
+                  <a:txBody>
+                    <a:bodyPr/>
+                    <a:lstStyle/>
+                    <a:p>
+                      <a:r>
+                        <a:rPr lang="en-US" altLang="zh-CN" dirty="0" smtClean="0"/>
+                        <a:t>17884</a:t>
+                      </a:r>
+                      <a:endParaRPr lang="zh-CN" altLang="en-US" dirty="0"/>
+                    </a:p>
+                  </a:txBody>
+                  <a:tcPr/>
+                </a:tc>
+                <a:extLst>
+                  <a:ext uri="{0D108BD9-81ED-4DB2-BD59-A6C34878D82A}">
+                    <a16:rowId xmlns:a16="http://schemas.microsoft.com/office/drawing/2014/main" val="546234822"/>
+                  </a:ext>
+                </a:extLst>
+              </a:tr>
+              <a:tr h="370840">
+                <a:tc>
+                  <a:txBody>
+                    <a:bodyPr/>
+                    <a:lstStyle/>
+                    <a:p>
+                      <a:r>
+                        <a:rPr lang="en-US" altLang="zh-CN" dirty="0" smtClean="0"/>
+                        <a:t>C++</a:t>
+                      </a:r>
+                      <a:endParaRPr lang="zh-CN" altLang="en-US" dirty="0"/>
+                    </a:p>
+                  </a:txBody>
+                  <a:tcPr/>
+                </a:tc>
+                <a:tc>
+                  <a:txBody>
+                    <a:bodyPr/>
+                    <a:lstStyle/>
+                    <a:p>
+                      <a:r>
+                        <a:rPr lang="en-US" altLang="zh-CN" dirty="0" smtClean="0"/>
+                        <a:t>~10000</a:t>
+                      </a:r>
+                      <a:endParaRPr lang="zh-CN" altLang="en-US" dirty="0"/>
+                    </a:p>
+                  </a:txBody>
+                  <a:tcPr/>
+                </a:tc>
+                <a:tc>
+                  <a:txBody>
+                    <a:bodyPr/>
+                    <a:lstStyle/>
+                    <a:p>
+                      <a:r>
+                        <a:rPr lang="en-US" altLang="zh-CN" dirty="0" smtClean="0"/>
+                        <a:t>22637</a:t>
+                      </a:r>
+                      <a:endParaRPr lang="zh-CN" altLang="en-US" dirty="0"/>
+                    </a:p>
+                  </a:txBody>
+                  <a:tcPr/>
+                </a:tc>
+                <a:extLst>
+                  <a:ext uri="{0D108BD9-81ED-4DB2-BD59-A6C34878D82A}">
+                    <a16:rowId xmlns:a16="http://schemas.microsoft.com/office/drawing/2014/main" val="3883339934"/>
+                  </a:ext>
+                </a:extLst>
+              </a:tr>
+            </a:tbl>
+          </a:graphicData>
+        </a:graphic>
+      </p:graphicFrame>
     </p:spTree>
     <p:extLst>
       <p:ext uri="{BB962C8B-B14F-4D97-AF65-F5344CB8AC3E}">

--- a/UE5_ppt/Lumen分析图.pptx
+++ b/UE5_ppt/Lumen分析图.pptx
@@ -5,11 +5,14 @@
     <p:sldMasterId id="2147483648" r:id="rId1"/>
   </p:sldMasterIdLst>
   <p:notesMasterIdLst>
-    <p:notesMasterId r:id="rId4"/>
+    <p:notesMasterId r:id="rId7"/>
   </p:notesMasterIdLst>
   <p:sldIdLst>
     <p:sldId id="256" r:id="rId2"/>
     <p:sldId id="257" r:id="rId3"/>
+    <p:sldId id="258" r:id="rId4"/>
+    <p:sldId id="259" r:id="rId5"/>
+    <p:sldId id="260" r:id="rId6"/>
   </p:sldIdLst>
   <p:sldSz cx="12192000" cy="6858000"/>
   <p:notesSz cx="6858000" cy="9144000"/>
@@ -6271,6 +6274,186 @@
     <p:extLst>
       <p:ext uri="{BB962C8B-B14F-4D97-AF65-F5344CB8AC3E}">
         <p14:creationId xmlns:p14="http://schemas.microsoft.com/office/powerpoint/2010/main" val="2620848368"/>
+      </p:ext>
+    </p:extLst>
+  </p:cSld>
+  <p:clrMapOvr>
+    <a:masterClrMapping/>
+  </p:clrMapOvr>
+</p:sld>
+</file>
+
+<file path=ppt/slides/slide3.xml><?xml version="1.0" encoding="utf-8"?>
+<p:sld xmlns:a="http://schemas.openxmlformats.org/drawingml/2006/main" xmlns:r="http://schemas.openxmlformats.org/officeDocument/2006/relationships" xmlns:p="http://schemas.openxmlformats.org/presentationml/2006/main">
+  <p:cSld>
+    <p:spTree>
+      <p:nvGrpSpPr>
+        <p:cNvPr id="1" name=""/>
+        <p:cNvGrpSpPr/>
+        <p:nvPr/>
+      </p:nvGrpSpPr>
+      <p:grpSpPr>
+        <a:xfrm>
+          <a:off x="0" y="0"/>
+          <a:ext cx="0" cy="0"/>
+          <a:chOff x="0" y="0"/>
+          <a:chExt cx="0" cy="0"/>
+        </a:xfrm>
+      </p:grpSpPr>
+      <p:sp>
+        <p:nvSpPr>
+          <p:cNvPr id="4" name="文本框 3"/>
+          <p:cNvSpPr txBox="1"/>
+          <p:nvPr/>
+        </p:nvSpPr>
+        <p:spPr>
+          <a:xfrm>
+            <a:off x="933583" y="537130"/>
+            <a:ext cx="1335622" cy="369332"/>
+          </a:xfrm>
+          <a:prstGeom prst="rect">
+            <a:avLst/>
+          </a:prstGeom>
+          <a:noFill/>
+        </p:spPr>
+        <p:txBody>
+          <a:bodyPr wrap="none" rtlCol="0">
+            <a:spAutoFit/>
+          </a:bodyPr>
+          <a:lstStyle/>
+          <a:p>
+            <a:r>
+              <a:rPr lang="en-US" altLang="zh-CN" dirty="0" smtClean="0"/>
+              <a:t>Light probe</a:t>
+            </a:r>
+            <a:endParaRPr lang="zh-CN" altLang="en-US" dirty="0"/>
+          </a:p>
+        </p:txBody>
+      </p:sp>
+    </p:spTree>
+    <p:extLst>
+      <p:ext uri="{BB962C8B-B14F-4D97-AF65-F5344CB8AC3E}">
+        <p14:creationId xmlns:p14="http://schemas.microsoft.com/office/powerpoint/2010/main" val="2947936784"/>
+      </p:ext>
+    </p:extLst>
+  </p:cSld>
+  <p:clrMapOvr>
+    <a:masterClrMapping/>
+  </p:clrMapOvr>
+</p:sld>
+</file>
+
+<file path=ppt/slides/slide4.xml><?xml version="1.0" encoding="utf-8"?>
+<p:sld xmlns:a="http://schemas.openxmlformats.org/drawingml/2006/main" xmlns:r="http://schemas.openxmlformats.org/officeDocument/2006/relationships" xmlns:p="http://schemas.openxmlformats.org/presentationml/2006/main">
+  <p:cSld>
+    <p:spTree>
+      <p:nvGrpSpPr>
+        <p:cNvPr id="1" name=""/>
+        <p:cNvGrpSpPr/>
+        <p:nvPr/>
+      </p:nvGrpSpPr>
+      <p:grpSpPr>
+        <a:xfrm>
+          <a:off x="0" y="0"/>
+          <a:ext cx="0" cy="0"/>
+          <a:chOff x="0" y="0"/>
+          <a:chExt cx="0" cy="0"/>
+        </a:xfrm>
+      </p:grpSpPr>
+      <p:sp>
+        <p:nvSpPr>
+          <p:cNvPr id="4" name="文本框 3"/>
+          <p:cNvSpPr txBox="1"/>
+          <p:nvPr/>
+        </p:nvSpPr>
+        <p:spPr>
+          <a:xfrm>
+            <a:off x="933583" y="537130"/>
+            <a:ext cx="1511952" cy="369332"/>
+          </a:xfrm>
+          <a:prstGeom prst="rect">
+            <a:avLst/>
+          </a:prstGeom>
+          <a:noFill/>
+        </p:spPr>
+        <p:txBody>
+          <a:bodyPr wrap="none" rtlCol="0">
+            <a:spAutoFit/>
+          </a:bodyPr>
+          <a:lstStyle/>
+          <a:p>
+            <a:r>
+              <a:rPr lang="en-US" altLang="zh-CN" dirty="0" smtClean="0"/>
+              <a:t>Distance field</a:t>
+            </a:r>
+            <a:endParaRPr lang="zh-CN" altLang="en-US" dirty="0"/>
+          </a:p>
+        </p:txBody>
+      </p:sp>
+    </p:spTree>
+    <p:extLst>
+      <p:ext uri="{BB962C8B-B14F-4D97-AF65-F5344CB8AC3E}">
+        <p14:creationId xmlns:p14="http://schemas.microsoft.com/office/powerpoint/2010/main" val="4187905525"/>
+      </p:ext>
+    </p:extLst>
+  </p:cSld>
+  <p:clrMapOvr>
+    <a:masterClrMapping/>
+  </p:clrMapOvr>
+</p:sld>
+</file>
+
+<file path=ppt/slides/slide5.xml><?xml version="1.0" encoding="utf-8"?>
+<p:sld xmlns:a="http://schemas.openxmlformats.org/drawingml/2006/main" xmlns:r="http://schemas.openxmlformats.org/officeDocument/2006/relationships" xmlns:p="http://schemas.openxmlformats.org/presentationml/2006/main">
+  <p:cSld>
+    <p:spTree>
+      <p:nvGrpSpPr>
+        <p:cNvPr id="1" name=""/>
+        <p:cNvGrpSpPr/>
+        <p:nvPr/>
+      </p:nvGrpSpPr>
+      <p:grpSpPr>
+        <a:xfrm>
+          <a:off x="0" y="0"/>
+          <a:ext cx="0" cy="0"/>
+          <a:chOff x="0" y="0"/>
+          <a:chExt cx="0" cy="0"/>
+        </a:xfrm>
+      </p:grpSpPr>
+      <p:sp>
+        <p:nvSpPr>
+          <p:cNvPr id="4" name="文本框 3"/>
+          <p:cNvSpPr txBox="1"/>
+          <p:nvPr/>
+        </p:nvSpPr>
+        <p:spPr>
+          <a:xfrm>
+            <a:off x="933583" y="537130"/>
+            <a:ext cx="1511952" cy="369332"/>
+          </a:xfrm>
+          <a:prstGeom prst="rect">
+            <a:avLst/>
+          </a:prstGeom>
+          <a:noFill/>
+        </p:spPr>
+        <p:txBody>
+          <a:bodyPr wrap="none" rtlCol="0">
+            <a:spAutoFit/>
+          </a:bodyPr>
+          <a:lstStyle/>
+          <a:p>
+            <a:r>
+              <a:rPr lang="en-US" altLang="zh-CN" dirty="0" smtClean="0"/>
+              <a:t>Distance field</a:t>
+            </a:r>
+            <a:endParaRPr lang="zh-CN" altLang="en-US" dirty="0"/>
+          </a:p>
+        </p:txBody>
+      </p:sp>
+    </p:spTree>
+    <p:extLst>
+      <p:ext uri="{BB962C8B-B14F-4D97-AF65-F5344CB8AC3E}">
+        <p14:creationId xmlns:p14="http://schemas.microsoft.com/office/powerpoint/2010/main" val="3515731944"/>
       </p:ext>
     </p:extLst>
   </p:cSld>

--- a/UE5_ppt/Lumen分析图.pptx
+++ b/UE5_ppt/Lumen分析图.pptx
@@ -5,7 +5,7 @@
     <p:sldMasterId id="2147483648" r:id="rId1"/>
   </p:sldMasterIdLst>
   <p:notesMasterIdLst>
-    <p:notesMasterId r:id="rId7"/>
+    <p:notesMasterId r:id="rId12"/>
   </p:notesMasterIdLst>
   <p:sldIdLst>
     <p:sldId id="256" r:id="rId2"/>
@@ -13,6 +13,11 @@
     <p:sldId id="258" r:id="rId4"/>
     <p:sldId id="259" r:id="rId5"/>
     <p:sldId id="260" r:id="rId6"/>
+    <p:sldId id="262" r:id="rId7"/>
+    <p:sldId id="264" r:id="rId8"/>
+    <p:sldId id="265" r:id="rId9"/>
+    <p:sldId id="266" r:id="rId10"/>
+    <p:sldId id="267" r:id="rId11"/>
   </p:sldIdLst>
   <p:sldSz cx="12192000" cy="6858000"/>
   <p:notesSz cx="6858000" cy="9144000"/>
@@ -201,7 +206,7 @@
           <a:p>
             <a:fld id="{EBED92C1-E1E7-4A47-950D-CDDCB864850B}" type="datetimeFigureOut">
               <a:rPr lang="zh-CN" altLang="en-US" smtClean="0"/>
-              <a:t>2021/7/3</a:t>
+              <a:t>2021/7/4</a:t>
             </a:fld>
             <a:endParaRPr lang="zh-CN" altLang="en-US"/>
           </a:p>
@@ -553,6 +558,90 @@
 </p:notes>
 </file>
 
+<file path=ppt/notesSlides/notesSlide2.xml><?xml version="1.0" encoding="utf-8"?>
+<p:notes xmlns:a="http://schemas.openxmlformats.org/drawingml/2006/main" xmlns:r="http://schemas.openxmlformats.org/officeDocument/2006/relationships" xmlns:p="http://schemas.openxmlformats.org/presentationml/2006/main">
+  <p:cSld>
+    <p:spTree>
+      <p:nvGrpSpPr>
+        <p:cNvPr id="1" name=""/>
+        <p:cNvGrpSpPr/>
+        <p:nvPr/>
+      </p:nvGrpSpPr>
+      <p:grpSpPr>
+        <a:xfrm>
+          <a:off x="0" y="0"/>
+          <a:ext cx="0" cy="0"/>
+          <a:chOff x="0" y="0"/>
+          <a:chExt cx="0" cy="0"/>
+        </a:xfrm>
+      </p:grpSpPr>
+      <p:sp>
+        <p:nvSpPr>
+          <p:cNvPr id="2" name="幻灯片图像占位符 1"/>
+          <p:cNvSpPr>
+            <a:spLocks noGrp="1" noRot="1" noChangeAspect="1"/>
+          </p:cNvSpPr>
+          <p:nvPr>
+            <p:ph type="sldImg"/>
+          </p:nvPr>
+        </p:nvSpPr>
+        <p:spPr/>
+      </p:sp>
+      <p:sp>
+        <p:nvSpPr>
+          <p:cNvPr id="3" name="备注占位符 2"/>
+          <p:cNvSpPr>
+            <a:spLocks noGrp="1"/>
+          </p:cNvSpPr>
+          <p:nvPr>
+            <p:ph type="body" idx="1"/>
+          </p:nvPr>
+        </p:nvSpPr>
+        <p:spPr/>
+        <p:txBody>
+          <a:bodyPr/>
+          <a:lstStyle/>
+          <a:p>
+            <a:endParaRPr lang="zh-CN" altLang="en-US" dirty="0"/>
+          </a:p>
+        </p:txBody>
+      </p:sp>
+      <p:sp>
+        <p:nvSpPr>
+          <p:cNvPr id="4" name="灯片编号占位符 3"/>
+          <p:cNvSpPr>
+            <a:spLocks noGrp="1"/>
+          </p:cNvSpPr>
+          <p:nvPr>
+            <p:ph type="sldNum" sz="quarter" idx="10"/>
+          </p:nvPr>
+        </p:nvSpPr>
+        <p:spPr/>
+        <p:txBody>
+          <a:bodyPr/>
+          <a:lstStyle/>
+          <a:p>
+            <a:fld id="{30EFDB4D-1091-4E02-9D06-DD585CFCD854}" type="slidenum">
+              <a:rPr lang="zh-CN" altLang="en-US" smtClean="0"/>
+              <a:t>4</a:t>
+            </a:fld>
+            <a:endParaRPr lang="zh-CN" altLang="en-US"/>
+          </a:p>
+        </p:txBody>
+      </p:sp>
+    </p:spTree>
+    <p:extLst>
+      <p:ext uri="{BB962C8B-B14F-4D97-AF65-F5344CB8AC3E}">
+        <p14:creationId xmlns:p14="http://schemas.microsoft.com/office/powerpoint/2010/main" val="860470017"/>
+      </p:ext>
+    </p:extLst>
+  </p:cSld>
+  <p:clrMapOvr>
+    <a:masterClrMapping/>
+  </p:clrMapOvr>
+</p:notes>
+</file>
+
 <file path=ppt/slideLayouts/slideLayout1.xml><?xml version="1.0" encoding="utf-8"?>
 <p:sldLayout xmlns:a="http://schemas.openxmlformats.org/drawingml/2006/main" xmlns:r="http://schemas.openxmlformats.org/officeDocument/2006/relationships" xmlns:p="http://schemas.openxmlformats.org/presentationml/2006/main" type="title" preserve="1">
   <p:cSld name="标题幻灯片">
@@ -684,7 +773,7 @@
           <a:p>
             <a:fld id="{6C53308C-9145-4105-91FB-D2AE27DEB393}" type="datetimeFigureOut">
               <a:rPr lang="zh-CN" altLang="en-US" smtClean="0"/>
-              <a:t>2021/7/3</a:t>
+              <a:t>2021/7/4</a:t>
             </a:fld>
             <a:endParaRPr lang="zh-CN" altLang="en-US"/>
           </a:p>
@@ -854,7 +943,7 @@
           <a:p>
             <a:fld id="{6C53308C-9145-4105-91FB-D2AE27DEB393}" type="datetimeFigureOut">
               <a:rPr lang="zh-CN" altLang="en-US" smtClean="0"/>
-              <a:t>2021/7/3</a:t>
+              <a:t>2021/7/4</a:t>
             </a:fld>
             <a:endParaRPr lang="zh-CN" altLang="en-US"/>
           </a:p>
@@ -1034,7 +1123,7 @@
           <a:p>
             <a:fld id="{6C53308C-9145-4105-91FB-D2AE27DEB393}" type="datetimeFigureOut">
               <a:rPr lang="zh-CN" altLang="en-US" smtClean="0"/>
-              <a:t>2021/7/3</a:t>
+              <a:t>2021/7/4</a:t>
             </a:fld>
             <a:endParaRPr lang="zh-CN" altLang="en-US"/>
           </a:p>
@@ -1204,7 +1293,7 @@
           <a:p>
             <a:fld id="{6C53308C-9145-4105-91FB-D2AE27DEB393}" type="datetimeFigureOut">
               <a:rPr lang="zh-CN" altLang="en-US" smtClean="0"/>
-              <a:t>2021/7/3</a:t>
+              <a:t>2021/7/4</a:t>
             </a:fld>
             <a:endParaRPr lang="zh-CN" altLang="en-US"/>
           </a:p>
@@ -1450,7 +1539,7 @@
           <a:p>
             <a:fld id="{6C53308C-9145-4105-91FB-D2AE27DEB393}" type="datetimeFigureOut">
               <a:rPr lang="zh-CN" altLang="en-US" smtClean="0"/>
-              <a:t>2021/7/3</a:t>
+              <a:t>2021/7/4</a:t>
             </a:fld>
             <a:endParaRPr lang="zh-CN" altLang="en-US"/>
           </a:p>
@@ -1682,7 +1771,7 @@
           <a:p>
             <a:fld id="{6C53308C-9145-4105-91FB-D2AE27DEB393}" type="datetimeFigureOut">
               <a:rPr lang="zh-CN" altLang="en-US" smtClean="0"/>
-              <a:t>2021/7/3</a:t>
+              <a:t>2021/7/4</a:t>
             </a:fld>
             <a:endParaRPr lang="zh-CN" altLang="en-US"/>
           </a:p>
@@ -2049,7 +2138,7 @@
           <a:p>
             <a:fld id="{6C53308C-9145-4105-91FB-D2AE27DEB393}" type="datetimeFigureOut">
               <a:rPr lang="zh-CN" altLang="en-US" smtClean="0"/>
-              <a:t>2021/7/3</a:t>
+              <a:t>2021/7/4</a:t>
             </a:fld>
             <a:endParaRPr lang="zh-CN" altLang="en-US"/>
           </a:p>
@@ -2167,7 +2256,7 @@
           <a:p>
             <a:fld id="{6C53308C-9145-4105-91FB-D2AE27DEB393}" type="datetimeFigureOut">
               <a:rPr lang="zh-CN" altLang="en-US" smtClean="0"/>
-              <a:t>2021/7/3</a:t>
+              <a:t>2021/7/4</a:t>
             </a:fld>
             <a:endParaRPr lang="zh-CN" altLang="en-US"/>
           </a:p>
@@ -2262,7 +2351,7 @@
           <a:p>
             <a:fld id="{6C53308C-9145-4105-91FB-D2AE27DEB393}" type="datetimeFigureOut">
               <a:rPr lang="zh-CN" altLang="en-US" smtClean="0"/>
-              <a:t>2021/7/3</a:t>
+              <a:t>2021/7/4</a:t>
             </a:fld>
             <a:endParaRPr lang="zh-CN" altLang="en-US"/>
           </a:p>
@@ -2539,7 +2628,7 @@
           <a:p>
             <a:fld id="{6C53308C-9145-4105-91FB-D2AE27DEB393}" type="datetimeFigureOut">
               <a:rPr lang="zh-CN" altLang="en-US" smtClean="0"/>
-              <a:t>2021/7/3</a:t>
+              <a:t>2021/7/4</a:t>
             </a:fld>
             <a:endParaRPr lang="zh-CN" altLang="en-US"/>
           </a:p>
@@ -2792,7 +2881,7 @@
           <a:p>
             <a:fld id="{6C53308C-9145-4105-91FB-D2AE27DEB393}" type="datetimeFigureOut">
               <a:rPr lang="zh-CN" altLang="en-US" smtClean="0"/>
-              <a:t>2021/7/3</a:t>
+              <a:t>2021/7/4</a:t>
             </a:fld>
             <a:endParaRPr lang="zh-CN" altLang="en-US"/>
           </a:p>
@@ -3005,7 +3094,7 @@
           <a:p>
             <a:fld id="{6C53308C-9145-4105-91FB-D2AE27DEB393}" type="datetimeFigureOut">
               <a:rPr lang="zh-CN" altLang="en-US" smtClean="0"/>
-              <a:t>2021/7/3</a:t>
+              <a:t>2021/7/4</a:t>
             </a:fld>
             <a:endParaRPr lang="zh-CN" altLang="en-US"/>
           </a:p>
@@ -4146,8 +4235,8 @@
         </p:nvSpPr>
         <p:spPr>
           <a:xfrm>
-            <a:off x="6952769" y="2071465"/>
-            <a:ext cx="1800493" cy="369332"/>
+            <a:off x="7254953" y="2077961"/>
+            <a:ext cx="877163" cy="369332"/>
           </a:xfrm>
           <a:prstGeom prst="rect">
             <a:avLst/>
@@ -4162,7 +4251,11 @@
           <a:p>
             <a:r>
               <a:rPr lang="zh-CN" altLang="en-US" dirty="0" smtClean="0"/>
-              <a:t>运行态（近景）</a:t>
+              <a:t>运行</a:t>
+            </a:r>
+            <a:r>
+              <a:rPr lang="zh-CN" altLang="en-US" dirty="0" smtClean="0"/>
+              <a:t>态</a:t>
             </a:r>
             <a:endParaRPr lang="zh-CN" altLang="en-US" dirty="0"/>
           </a:p>
@@ -4633,7 +4726,7 @@
         </p:nvSpPr>
         <p:spPr>
           <a:xfrm>
-            <a:off x="9372068" y="6267675"/>
+            <a:off x="9360742" y="6096977"/>
             <a:ext cx="2783147" cy="430887"/>
           </a:xfrm>
           <a:prstGeom prst="rect">
@@ -5144,7 +5237,7 @@
         <p:spPr>
           <a:xfrm>
             <a:off x="3466548" y="4816530"/>
-            <a:ext cx="646331" cy="369332"/>
+            <a:ext cx="635110" cy="369332"/>
           </a:xfrm>
           <a:prstGeom prst="rect">
             <a:avLst/>
@@ -5158,7 +5251,7 @@
           <a:lstStyle/>
           <a:p>
             <a:r>
-              <a:rPr lang="en-US" altLang="zh-CN" dirty="0"/>
+              <a:rPr lang="en-US" altLang="zh-CN" dirty="0" smtClean="0"/>
               <a:t>SSGI</a:t>
             </a:r>
             <a:endParaRPr lang="zh-CN" altLang="en-US" dirty="0"/>
@@ -5876,10 +5969,148 @@
           </a:p>
         </p:txBody>
       </p:sp>
+      <p:sp>
+        <p:nvSpPr>
+          <p:cNvPr id="40" name="文本框 39"/>
+          <p:cNvSpPr txBox="1"/>
+          <p:nvPr/>
+        </p:nvSpPr>
+        <p:spPr>
+          <a:xfrm>
+            <a:off x="7693533" y="6477215"/>
+            <a:ext cx="4619257" cy="415498"/>
+          </a:xfrm>
+          <a:prstGeom prst="rect">
+            <a:avLst/>
+          </a:prstGeom>
+          <a:noFill/>
+        </p:spPr>
+        <p:txBody>
+          <a:bodyPr wrap="square" rtlCol="0">
+            <a:spAutoFit/>
+          </a:bodyPr>
+          <a:lstStyle/>
+          <a:p>
+            <a:r>
+              <a:rPr lang="zh-CN" altLang="en-US" sz="1050" b="1" dirty="0" smtClean="0"/>
+              <a:t>最后：根据</a:t>
+            </a:r>
+            <a:r>
+              <a:rPr lang="en-US" altLang="zh-CN" sz="1050" b="1" dirty="0" smtClean="0"/>
+              <a:t>Probe</a:t>
+            </a:r>
+            <a:r>
+              <a:rPr lang="zh-CN" altLang="en-US" sz="1050" b="1" dirty="0" smtClean="0"/>
+              <a:t>、二次编码的光照信息和</a:t>
+            </a:r>
+            <a:r>
+              <a:rPr lang="en-US" altLang="zh-CN" sz="1050" b="1" dirty="0" smtClean="0"/>
+              <a:t>irradiance cache</a:t>
+            </a:r>
+            <a:r>
+              <a:rPr lang="zh-CN" altLang="en-US" sz="1050" b="1" dirty="0" smtClean="0"/>
+              <a:t>计算</a:t>
+            </a:r>
+            <a:r>
+              <a:rPr lang="en-US" altLang="zh-CN" sz="1050" b="1" dirty="0" smtClean="0"/>
+              <a:t>indirect diffuse</a:t>
+            </a:r>
+            <a:r>
+              <a:rPr lang="zh-CN" altLang="en-US" sz="1050" b="1" dirty="0" smtClean="0"/>
+              <a:t>和</a:t>
+            </a:r>
+            <a:r>
+              <a:rPr lang="en-US" altLang="zh-CN" sz="1050" b="1" dirty="0" smtClean="0"/>
+              <a:t>indirect reflection</a:t>
+            </a:r>
+            <a:r>
+              <a:rPr lang="zh-CN" altLang="en-US" sz="1050" b="1" dirty="0" smtClean="0"/>
+              <a:t>，并且混合</a:t>
+            </a:r>
+            <a:r>
+              <a:rPr lang="en-US" altLang="zh-CN" sz="1050" b="1" dirty="0" smtClean="0"/>
+              <a:t>history</a:t>
+            </a:r>
+            <a:r>
+              <a:rPr lang="zh-CN" altLang="en-US" sz="1050" b="1" dirty="0" smtClean="0"/>
+              <a:t>光照信息作为</a:t>
+            </a:r>
+            <a:r>
+              <a:rPr lang="en-US" altLang="zh-CN" sz="1050" b="1" dirty="0" smtClean="0"/>
+              <a:t>GI</a:t>
+            </a:r>
+            <a:r>
+              <a:rPr lang="zh-CN" altLang="en-US" sz="1050" b="1" dirty="0" smtClean="0"/>
+              <a:t>输出</a:t>
+            </a:r>
+            <a:endParaRPr lang="en-US" altLang="zh-CN" sz="1100" b="1" dirty="0"/>
+          </a:p>
+        </p:txBody>
+      </p:sp>
     </p:spTree>
     <p:extLst>
       <p:ext uri="{BB962C8B-B14F-4D97-AF65-F5344CB8AC3E}">
         <p14:creationId xmlns:p14="http://schemas.microsoft.com/office/powerpoint/2010/main" val="1236375590"/>
+      </p:ext>
+    </p:extLst>
+  </p:cSld>
+  <p:clrMapOvr>
+    <a:masterClrMapping/>
+  </p:clrMapOvr>
+</p:sld>
+</file>
+
+<file path=ppt/slides/slide10.xml><?xml version="1.0" encoding="utf-8"?>
+<p:sld xmlns:a="http://schemas.openxmlformats.org/drawingml/2006/main" xmlns:r="http://schemas.openxmlformats.org/officeDocument/2006/relationships" xmlns:p="http://schemas.openxmlformats.org/presentationml/2006/main">
+  <p:cSld>
+    <p:spTree>
+      <p:nvGrpSpPr>
+        <p:cNvPr id="1" name=""/>
+        <p:cNvGrpSpPr/>
+        <p:nvPr/>
+      </p:nvGrpSpPr>
+      <p:grpSpPr>
+        <a:xfrm>
+          <a:off x="0" y="0"/>
+          <a:ext cx="0" cy="0"/>
+          <a:chOff x="0" y="0"/>
+          <a:chExt cx="0" cy="0"/>
+        </a:xfrm>
+      </p:grpSpPr>
+      <p:sp>
+        <p:nvSpPr>
+          <p:cNvPr id="4" name="文本框 3"/>
+          <p:cNvSpPr txBox="1"/>
+          <p:nvPr/>
+        </p:nvSpPr>
+        <p:spPr>
+          <a:xfrm>
+            <a:off x="933583" y="537130"/>
+            <a:ext cx="2286203" cy="369332"/>
+          </a:xfrm>
+          <a:prstGeom prst="rect">
+            <a:avLst/>
+          </a:prstGeom>
+          <a:noFill/>
+        </p:spPr>
+        <p:txBody>
+          <a:bodyPr wrap="none" rtlCol="0">
+            <a:spAutoFit/>
+          </a:bodyPr>
+          <a:lstStyle/>
+          <a:p>
+            <a:r>
+              <a:rPr lang="en-US" altLang="zh-CN" dirty="0" err="1" smtClean="0"/>
+              <a:t>LumenDiffuseIndirect</a:t>
+            </a:r>
+            <a:endParaRPr lang="zh-CN" altLang="en-US" dirty="0"/>
+          </a:p>
+        </p:txBody>
+      </p:sp>
+    </p:spTree>
+    <p:extLst>
+      <p:ext uri="{BB962C8B-B14F-4D97-AF65-F5344CB8AC3E}">
+        <p14:creationId xmlns:p14="http://schemas.microsoft.com/office/powerpoint/2010/main" val="505883602"/>
       </p:ext>
     </p:extLst>
   </p:cSld>
@@ -6330,6 +6561,243 @@
           </a:p>
         </p:txBody>
       </p:sp>
+      <p:pic>
+        <p:nvPicPr>
+          <p:cNvPr id="2" name="图片 1"/>
+          <p:cNvPicPr>
+            <a:picLocks noChangeAspect="1"/>
+          </p:cNvPicPr>
+          <p:nvPr/>
+        </p:nvPicPr>
+        <p:blipFill>
+          <a:blip r:embed="rId2"/>
+          <a:stretch>
+            <a:fillRect/>
+          </a:stretch>
+        </p:blipFill>
+        <p:spPr>
+          <a:xfrm>
+            <a:off x="7029647" y="1509080"/>
+            <a:ext cx="3384241" cy="2274177"/>
+          </a:xfrm>
+          <a:prstGeom prst="rect">
+            <a:avLst/>
+          </a:prstGeom>
+        </p:spPr>
+      </p:pic>
+      <p:sp>
+        <p:nvSpPr>
+          <p:cNvPr id="3" name="文本框 2"/>
+          <p:cNvSpPr txBox="1"/>
+          <p:nvPr/>
+        </p:nvSpPr>
+        <p:spPr>
+          <a:xfrm>
+            <a:off x="671412" y="1694517"/>
+            <a:ext cx="5997953" cy="3754874"/>
+          </a:xfrm>
+          <a:prstGeom prst="rect">
+            <a:avLst/>
+          </a:prstGeom>
+          <a:noFill/>
+        </p:spPr>
+        <p:txBody>
+          <a:bodyPr wrap="square" rtlCol="0">
+            <a:spAutoFit/>
+          </a:bodyPr>
+          <a:lstStyle/>
+          <a:p>
+            <a:r>
+              <a:rPr lang="zh-CN" altLang="en-US" sz="1400" dirty="0" smtClean="0"/>
+              <a:t>使用原因：传统烘焙</a:t>
+            </a:r>
+            <a:r>
+              <a:rPr lang="en-US" altLang="zh-CN" sz="1400" dirty="0" smtClean="0"/>
+              <a:t>GI</a:t>
+            </a:r>
+            <a:r>
+              <a:rPr lang="zh-CN" altLang="en-US" sz="1400" dirty="0" smtClean="0"/>
+              <a:t>只针对静态物体做全局光照，对动态物体无可奈何</a:t>
+            </a:r>
+            <a:endParaRPr lang="en-US" altLang="zh-CN" sz="1400" dirty="0" smtClean="0"/>
+          </a:p>
+          <a:p>
+            <a:pPr marL="342900" indent="-342900">
+              <a:buAutoNum type="arabicPeriod"/>
+            </a:pPr>
+            <a:endParaRPr lang="en-US" altLang="zh-CN" sz="1400" dirty="0"/>
+          </a:p>
+          <a:p>
+            <a:endParaRPr lang="en-US" altLang="zh-CN" sz="1400" dirty="0"/>
+          </a:p>
+          <a:p>
+            <a:r>
+              <a:rPr lang="en-US" altLang="zh-CN" sz="1400" dirty="0" smtClean="0"/>
+              <a:t>Light probe</a:t>
+            </a:r>
+            <a:r>
+              <a:rPr lang="zh-CN" altLang="en-US" sz="1400" dirty="0" smtClean="0"/>
+              <a:t>只做两件事情：</a:t>
+            </a:r>
+            <a:endParaRPr lang="en-US" altLang="zh-CN" sz="1400" dirty="0" smtClean="0"/>
+          </a:p>
+          <a:p>
+            <a:pPr marL="342900" indent="-342900">
+              <a:buAutoNum type="arabicPeriod"/>
+            </a:pPr>
+            <a:r>
+              <a:rPr lang="zh-CN" altLang="en-US" sz="1400" dirty="0" smtClean="0"/>
+              <a:t>接受周围环境光照（可以理解为</a:t>
+            </a:r>
+            <a:r>
+              <a:rPr lang="en-US" altLang="zh-CN" sz="1400" dirty="0" smtClean="0"/>
+              <a:t>trace</a:t>
+            </a:r>
+            <a:r>
+              <a:rPr lang="zh-CN" altLang="en-US" sz="1400" dirty="0" smtClean="0"/>
+              <a:t>周围光线），把这些光照信息搞成一个</a:t>
+            </a:r>
+            <a:r>
+              <a:rPr lang="en-US" altLang="zh-CN" sz="1400" dirty="0" smtClean="0"/>
+              <a:t>SH</a:t>
+            </a:r>
+            <a:r>
+              <a:rPr lang="zh-CN" altLang="en-US" sz="1400" dirty="0" smtClean="0"/>
+              <a:t>存起来</a:t>
+            </a:r>
+            <a:endParaRPr lang="en-US" altLang="zh-CN" sz="1400" dirty="0" smtClean="0"/>
+          </a:p>
+          <a:p>
+            <a:pPr marL="342900" indent="-342900">
+              <a:buAutoNum type="arabicPeriod"/>
+            </a:pPr>
+            <a:r>
+              <a:rPr lang="zh-CN" altLang="en-US" sz="1400" dirty="0" smtClean="0"/>
+              <a:t>渲染动态物体的时候，寻找动态物体周围最近的</a:t>
+            </a:r>
+            <a:r>
+              <a:rPr lang="en-US" altLang="zh-CN" sz="1400" dirty="0" smtClean="0"/>
+              <a:t>light probe</a:t>
+            </a:r>
+            <a:r>
+              <a:rPr lang="zh-CN" altLang="en-US" sz="1400" dirty="0" smtClean="0"/>
+              <a:t>，并且对</a:t>
+            </a:r>
+            <a:r>
+              <a:rPr lang="en-US" altLang="zh-CN" sz="1400" dirty="0" smtClean="0"/>
+              <a:t>light probe</a:t>
+            </a:r>
+            <a:r>
+              <a:rPr lang="zh-CN" altLang="en-US" sz="1400" dirty="0" smtClean="0"/>
+              <a:t>做采样（多个</a:t>
+            </a:r>
+            <a:r>
+              <a:rPr lang="en-US" altLang="zh-CN" sz="1400" dirty="0" smtClean="0"/>
+              <a:t>light probe</a:t>
+            </a:r>
+            <a:r>
+              <a:rPr lang="zh-CN" altLang="en-US" sz="1400" dirty="0" smtClean="0"/>
+              <a:t>会组成一个一个的四面体，最后的结果是根据多个</a:t>
+            </a:r>
+            <a:r>
+              <a:rPr lang="en-US" altLang="zh-CN" sz="1400" dirty="0" smtClean="0"/>
+              <a:t>light probe</a:t>
+            </a:r>
+            <a:r>
+              <a:rPr lang="zh-CN" altLang="en-US" sz="1400" dirty="0" smtClean="0"/>
+              <a:t>光照结果做插值）</a:t>
+            </a:r>
+            <a:endParaRPr lang="en-US" altLang="zh-CN" sz="1400" dirty="0" smtClean="0"/>
+          </a:p>
+          <a:p>
+            <a:pPr marL="342900" indent="-342900">
+              <a:buAutoNum type="arabicPeriod"/>
+            </a:pPr>
+            <a:endParaRPr lang="en-US" altLang="zh-CN" sz="1400" dirty="0"/>
+          </a:p>
+          <a:p>
+            <a:pPr marL="342900" indent="-342900">
+              <a:buAutoNum type="arabicPeriod"/>
+            </a:pPr>
+            <a:endParaRPr lang="en-US" altLang="zh-CN" sz="1400" dirty="0" smtClean="0"/>
+          </a:p>
+          <a:p>
+            <a:r>
+              <a:rPr lang="zh-CN" altLang="en-US" sz="1400" dirty="0" smtClean="0"/>
+              <a:t>注意：</a:t>
+            </a:r>
+            <a:endParaRPr lang="en-US" altLang="zh-CN" sz="1400" dirty="0" smtClean="0"/>
+          </a:p>
+          <a:p>
+            <a:pPr marL="342900" indent="-342900">
+              <a:buAutoNum type="arabicPeriod"/>
+            </a:pPr>
+            <a:r>
+              <a:rPr lang="zh-CN" altLang="en-US" sz="1400" dirty="0" smtClean="0"/>
+              <a:t>场景中会有很多</a:t>
+            </a:r>
+            <a:r>
+              <a:rPr lang="en-US" altLang="zh-CN" sz="1400" dirty="0" smtClean="0"/>
+              <a:t>light probe</a:t>
+            </a:r>
+            <a:r>
+              <a:rPr lang="zh-CN" altLang="en-US" sz="1400" dirty="0" smtClean="0"/>
+              <a:t>，这个是美术或者</a:t>
+            </a:r>
+            <a:r>
+              <a:rPr lang="en-US" altLang="zh-CN" sz="1400" dirty="0" smtClean="0"/>
+              <a:t>TA</a:t>
+            </a:r>
+            <a:r>
+              <a:rPr lang="zh-CN" altLang="en-US" sz="1400" dirty="0" smtClean="0"/>
+              <a:t>放置的，一般光照环境变化不大的地方少放点</a:t>
+            </a:r>
+            <a:r>
+              <a:rPr lang="en-US" altLang="zh-CN" sz="1400" dirty="0" smtClean="0"/>
+              <a:t>light probe</a:t>
+            </a:r>
+            <a:r>
+              <a:rPr lang="zh-CN" altLang="en-US" sz="1400" dirty="0" smtClean="0"/>
+              <a:t>避免浪费，在环境比较复杂的地方多放一点</a:t>
+            </a:r>
+            <a:r>
+              <a:rPr lang="en-US" altLang="zh-CN" sz="1400" dirty="0" smtClean="0"/>
+              <a:t>light probe</a:t>
+            </a:r>
+            <a:r>
+              <a:rPr lang="zh-CN" altLang="en-US" sz="1400" dirty="0" smtClean="0"/>
+              <a:t>（并不是均匀放置）</a:t>
+            </a:r>
+            <a:endParaRPr lang="en-US" altLang="zh-CN" sz="1400" dirty="0" smtClean="0"/>
+          </a:p>
+          <a:p>
+            <a:pPr marL="342900" indent="-342900">
+              <a:buAutoNum type="arabicPeriod"/>
+            </a:pPr>
+            <a:r>
+              <a:rPr lang="zh-CN" altLang="en-US" sz="1400" dirty="0" smtClean="0"/>
+              <a:t>本质还是对动态物体的近似，</a:t>
+            </a:r>
+            <a:r>
+              <a:rPr lang="en-US" altLang="zh-CN" sz="1400" dirty="0" smtClean="0"/>
+              <a:t>light probe</a:t>
+            </a:r>
+            <a:r>
+              <a:rPr lang="zh-CN" altLang="en-US" sz="1400" dirty="0" smtClean="0"/>
+              <a:t>如果放的不好漏光现象还是很严重的（</a:t>
+            </a:r>
+            <a:r>
+              <a:rPr lang="en-US" altLang="zh-CN" sz="1400" dirty="0" smtClean="0"/>
+              <a:t>DDGI</a:t>
+            </a:r>
+            <a:r>
+              <a:rPr lang="zh-CN" altLang="en-US" sz="1400" dirty="0" smtClean="0"/>
+              <a:t>就是解决这个问题）</a:t>
+            </a:r>
+            <a:endParaRPr lang="en-US" altLang="zh-CN" sz="1400" dirty="0" smtClean="0"/>
+          </a:p>
+        </p:txBody>
+      </p:sp>
     </p:spTree>
     <p:extLst>
       <p:ext uri="{BB962C8B-B14F-4D97-AF65-F5344CB8AC3E}">
@@ -6369,7 +6837,7 @@
         <p:spPr>
           <a:xfrm>
             <a:off x="933583" y="537130"/>
-            <a:ext cx="1511952" cy="369332"/>
+            <a:ext cx="2299027" cy="369332"/>
           </a:xfrm>
           <a:prstGeom prst="rect">
             <a:avLst/>
@@ -6384,9 +6852,193 @@
           <a:p>
             <a:r>
               <a:rPr lang="en-US" altLang="zh-CN" dirty="0" smtClean="0"/>
-              <a:t>Distance field</a:t>
+              <a:t>Signed Distance Field</a:t>
             </a:r>
             <a:endParaRPr lang="zh-CN" altLang="en-US" dirty="0"/>
+          </a:p>
+        </p:txBody>
+      </p:sp>
+      <p:pic>
+        <p:nvPicPr>
+          <p:cNvPr id="2" name="图片 1"/>
+          <p:cNvPicPr>
+            <a:picLocks noChangeAspect="1"/>
+          </p:cNvPicPr>
+          <p:nvPr/>
+        </p:nvPicPr>
+        <p:blipFill>
+          <a:blip r:embed="rId3" cstate="print">
+            <a:extLst>
+              <a:ext uri="{28A0092B-C50C-407E-A947-70E740481C1C}">
+                <a14:useLocalDpi xmlns:a14="http://schemas.microsoft.com/office/drawing/2010/main" val="0"/>
+              </a:ext>
+            </a:extLst>
+          </a:blip>
+          <a:stretch>
+            <a:fillRect/>
+          </a:stretch>
+        </p:blipFill>
+        <p:spPr>
+          <a:xfrm>
+            <a:off x="722567" y="1347421"/>
+            <a:ext cx="4448240" cy="2399329"/>
+          </a:xfrm>
+          <a:prstGeom prst="rect">
+            <a:avLst/>
+          </a:prstGeom>
+        </p:spPr>
+      </p:pic>
+      <p:sp>
+        <p:nvSpPr>
+          <p:cNvPr id="3" name="矩形 2"/>
+          <p:cNvSpPr/>
+          <p:nvPr/>
+        </p:nvSpPr>
+        <p:spPr>
+          <a:xfrm>
+            <a:off x="5650523" y="1492544"/>
+            <a:ext cx="6096000" cy="2031325"/>
+          </a:xfrm>
+          <a:prstGeom prst="rect">
+            <a:avLst/>
+          </a:prstGeom>
+        </p:spPr>
+        <p:txBody>
+          <a:bodyPr>
+            <a:spAutoFit/>
+          </a:bodyPr>
+          <a:lstStyle/>
+          <a:p>
+            <a:r>
+              <a:rPr lang="zh-CN" altLang="en-US" sz="1400" dirty="0"/>
+              <a:t>SDF表示的是距离这个点最近的物体边缘的距离，</a:t>
+            </a:r>
+          </a:p>
+          <a:p>
+            <a:pPr marL="342900" indent="-342900">
+              <a:buAutoNum type="arabicPeriod"/>
+            </a:pPr>
+            <a:r>
+              <a:rPr lang="zh-CN" altLang="en-US" sz="1400" dirty="0" smtClean="0"/>
+              <a:t>可以</a:t>
+            </a:r>
+            <a:r>
+              <a:rPr lang="zh-CN" altLang="en-US" sz="1400" dirty="0"/>
+              <a:t>用来做两个物体的</a:t>
+            </a:r>
+            <a:r>
+              <a:rPr lang="zh-CN" altLang="en-US" sz="1400" dirty="0" smtClean="0"/>
+              <a:t>blending</a:t>
+            </a:r>
+            <a:endParaRPr lang="en-US" altLang="zh-CN" sz="1400" dirty="0" smtClean="0"/>
+          </a:p>
+          <a:p>
+            <a:pPr marL="342900" indent="-342900">
+              <a:buAutoNum type="arabicPeriod"/>
+            </a:pPr>
+            <a:endParaRPr lang="zh-CN" altLang="en-US" sz="1400" dirty="0"/>
+          </a:p>
+          <a:p>
+            <a:r>
+              <a:rPr lang="zh-CN" altLang="en-US" sz="1400" dirty="0"/>
+              <a:t>2. 可以做ray matching（步进的时候知道所在点的距离场值，就说明在这个值内没有物体，可以放心往前走</a:t>
+            </a:r>
+            <a:r>
+              <a:rPr lang="zh-CN" altLang="en-US" sz="1400" dirty="0" smtClean="0"/>
+              <a:t>）</a:t>
+            </a:r>
+            <a:endParaRPr lang="en-US" altLang="zh-CN" sz="1400" dirty="0" smtClean="0"/>
+          </a:p>
+          <a:p>
+            <a:endParaRPr lang="zh-CN" altLang="en-US" sz="1400" dirty="0"/>
+          </a:p>
+          <a:p>
+            <a:r>
+              <a:rPr lang="zh-CN" altLang="en-US" sz="1400" dirty="0"/>
+              <a:t>3. 可以计算某个方向的遮挡角度，如下图所示,从而衍生出了基于SDF的软阴影。基于SDF的软阴影采用了系数k对arcsin的近似，k值越大，阴影越硬（θ角小，sin值小）</a:t>
+            </a:r>
+          </a:p>
+        </p:txBody>
+      </p:sp>
+      <p:pic>
+        <p:nvPicPr>
+          <p:cNvPr id="5" name="图片 4"/>
+          <p:cNvPicPr>
+            <a:picLocks noChangeAspect="1"/>
+          </p:cNvPicPr>
+          <p:nvPr/>
+        </p:nvPicPr>
+        <p:blipFill>
+          <a:blip r:embed="rId4">
+            <a:extLst>
+              <a:ext uri="{28A0092B-C50C-407E-A947-70E740481C1C}">
+                <a14:useLocalDpi xmlns:a14="http://schemas.microsoft.com/office/drawing/2010/main" val="0"/>
+              </a:ext>
+            </a:extLst>
+          </a:blip>
+          <a:stretch>
+            <a:fillRect/>
+          </a:stretch>
+        </p:blipFill>
+        <p:spPr>
+          <a:xfrm>
+            <a:off x="5995234" y="3746750"/>
+            <a:ext cx="2414412" cy="2505521"/>
+          </a:xfrm>
+          <a:prstGeom prst="rect">
+            <a:avLst/>
+          </a:prstGeom>
+        </p:spPr>
+      </p:pic>
+      <p:sp>
+        <p:nvSpPr>
+          <p:cNvPr id="6" name="文本框 5"/>
+          <p:cNvSpPr txBox="1"/>
+          <p:nvPr/>
+        </p:nvSpPr>
+        <p:spPr>
+          <a:xfrm>
+            <a:off x="8119158" y="6354953"/>
+            <a:ext cx="3961341" cy="461665"/>
+          </a:xfrm>
+          <a:prstGeom prst="rect">
+            <a:avLst/>
+          </a:prstGeom>
+          <a:noFill/>
+        </p:spPr>
+        <p:txBody>
+          <a:bodyPr wrap="none" rtlCol="0">
+            <a:spAutoFit/>
+          </a:bodyPr>
+          <a:lstStyle/>
+          <a:p>
+            <a:r>
+              <a:rPr lang="en-US" altLang="zh-CN" sz="1200" dirty="0" smtClean="0"/>
+              <a:t>From </a:t>
+            </a:r>
+            <a:r>
+              <a:rPr lang="zh-CN" altLang="en-US" sz="1200" dirty="0" smtClean="0"/>
+              <a:t>闫令</a:t>
+            </a:r>
+            <a:r>
+              <a:rPr lang="zh-CN" altLang="en-US" sz="1200" dirty="0"/>
+              <a:t>琪</a:t>
+            </a:r>
+            <a:r>
+              <a:rPr lang="zh-CN" altLang="en-US" sz="1200" dirty="0" smtClean="0"/>
+              <a:t> </a:t>
+            </a:r>
+            <a:r>
+              <a:rPr lang="en-US" altLang="zh-CN" sz="1200" dirty="0" smtClean="0"/>
+              <a:t>Games202</a:t>
+            </a:r>
+          </a:p>
+          <a:p>
+            <a:r>
+              <a:rPr lang="en-US" altLang="zh-CN" sz="1200" dirty="0"/>
+              <a:t>https://sites.cs.ucsb.edu/~lingqi/teaching/games202.html</a:t>
+            </a:r>
+            <a:endParaRPr lang="zh-CN" altLang="en-US" sz="1200" dirty="0"/>
           </a:p>
         </p:txBody>
       </p:sp>
@@ -6429,7 +7081,7 @@
         <p:spPr>
           <a:xfrm>
             <a:off x="933583" y="537130"/>
-            <a:ext cx="1511952" cy="369332"/>
+            <a:ext cx="1550424" cy="369332"/>
           </a:xfrm>
           <a:prstGeom prst="rect">
             <a:avLst/>
@@ -6444,16 +7096,1198 @@
           <a:p>
             <a:r>
               <a:rPr lang="en-US" altLang="zh-CN" dirty="0" smtClean="0"/>
-              <a:t>Distance field</a:t>
+              <a:t>VXGI</a:t>
+            </a:r>
+            <a:r>
+              <a:rPr lang="zh-CN" altLang="en-US" dirty="0" smtClean="0"/>
+              <a:t>、</a:t>
+            </a:r>
+            <a:r>
+              <a:rPr lang="en-US" altLang="zh-CN" dirty="0"/>
+              <a:t>SVOGI</a:t>
             </a:r>
             <a:endParaRPr lang="zh-CN" altLang="en-US" dirty="0"/>
           </a:p>
         </p:txBody>
       </p:sp>
+      <p:pic>
+        <p:nvPicPr>
+          <p:cNvPr id="2" name="图片 1"/>
+          <p:cNvPicPr>
+            <a:picLocks noChangeAspect="1"/>
+          </p:cNvPicPr>
+          <p:nvPr/>
+        </p:nvPicPr>
+        <p:blipFill>
+          <a:blip r:embed="rId2">
+            <a:extLst>
+              <a:ext uri="{28A0092B-C50C-407E-A947-70E740481C1C}">
+                <a14:useLocalDpi xmlns:a14="http://schemas.microsoft.com/office/drawing/2010/main" val="0"/>
+              </a:ext>
+            </a:extLst>
+          </a:blip>
+          <a:stretch>
+            <a:fillRect/>
+          </a:stretch>
+        </p:blipFill>
+        <p:spPr>
+          <a:xfrm>
+            <a:off x="287748" y="1376396"/>
+            <a:ext cx="3606749" cy="2689056"/>
+          </a:xfrm>
+          <a:prstGeom prst="rect">
+            <a:avLst/>
+          </a:prstGeom>
+        </p:spPr>
+      </p:pic>
+      <p:sp>
+        <p:nvSpPr>
+          <p:cNvPr id="5" name="文本框 4"/>
+          <p:cNvSpPr txBox="1"/>
+          <p:nvPr/>
+        </p:nvSpPr>
+        <p:spPr>
+          <a:xfrm>
+            <a:off x="8119158" y="6354953"/>
+            <a:ext cx="3961341" cy="461665"/>
+          </a:xfrm>
+          <a:prstGeom prst="rect">
+            <a:avLst/>
+          </a:prstGeom>
+          <a:noFill/>
+        </p:spPr>
+        <p:txBody>
+          <a:bodyPr wrap="none" rtlCol="0">
+            <a:spAutoFit/>
+          </a:bodyPr>
+          <a:lstStyle/>
+          <a:p>
+            <a:r>
+              <a:rPr lang="en-US" altLang="zh-CN" sz="1200" dirty="0" smtClean="0"/>
+              <a:t>From </a:t>
+            </a:r>
+            <a:r>
+              <a:rPr lang="zh-CN" altLang="en-US" sz="1200" dirty="0" smtClean="0"/>
+              <a:t>闫令</a:t>
+            </a:r>
+            <a:r>
+              <a:rPr lang="zh-CN" altLang="en-US" sz="1200" dirty="0"/>
+              <a:t>琪</a:t>
+            </a:r>
+            <a:r>
+              <a:rPr lang="zh-CN" altLang="en-US" sz="1200" dirty="0" smtClean="0"/>
+              <a:t> </a:t>
+            </a:r>
+            <a:r>
+              <a:rPr lang="en-US" altLang="zh-CN" sz="1200" dirty="0" smtClean="0"/>
+              <a:t>Games202</a:t>
+            </a:r>
+          </a:p>
+          <a:p>
+            <a:r>
+              <a:rPr lang="en-US" altLang="zh-CN" sz="1200" dirty="0"/>
+              <a:t>https://sites.cs.ucsb.edu/~lingqi/teaching/games202.html</a:t>
+            </a:r>
+            <a:endParaRPr lang="zh-CN" altLang="en-US" sz="1200" dirty="0"/>
+          </a:p>
+        </p:txBody>
+      </p:sp>
+      <p:sp>
+        <p:nvSpPr>
+          <p:cNvPr id="3" name="矩形 2"/>
+          <p:cNvSpPr/>
+          <p:nvPr/>
+        </p:nvSpPr>
+        <p:spPr>
+          <a:xfrm>
+            <a:off x="4358852" y="842518"/>
+            <a:ext cx="7617869" cy="2246769"/>
+          </a:xfrm>
+          <a:prstGeom prst="rect">
+            <a:avLst/>
+          </a:prstGeom>
+        </p:spPr>
+        <p:txBody>
+          <a:bodyPr wrap="square">
+            <a:spAutoFit/>
+          </a:bodyPr>
+          <a:lstStyle/>
+          <a:p>
+            <a:r>
+              <a:rPr lang="zh-CN" altLang="en-US" sz="1400" dirty="0"/>
+              <a:t>把场景分割成体素，组成层次结构，次级光源是体素而不是像素。</a:t>
+            </a:r>
+          </a:p>
+          <a:p>
+            <a:pPr marL="342900" indent="-342900">
+              <a:buAutoNum type="arabicPeriod"/>
+            </a:pPr>
+            <a:r>
+              <a:rPr lang="zh-CN" altLang="en-US" sz="1400" dirty="0" smtClean="0"/>
+              <a:t>决定</a:t>
+            </a:r>
+            <a:r>
+              <a:rPr lang="zh-CN" altLang="en-US" sz="1400" dirty="0"/>
+              <a:t>了哪些voxel里面有次级光源，每一个voxel里面记录一个输入光照的分布，一个法线分布，每个hierarchy层都要</a:t>
+            </a:r>
+            <a:r>
+              <a:rPr lang="zh-CN" altLang="en-US" sz="1400" dirty="0" smtClean="0"/>
+              <a:t>更新</a:t>
+            </a:r>
+            <a:endParaRPr lang="en-US" altLang="zh-CN" sz="1400" dirty="0" smtClean="0"/>
+          </a:p>
+          <a:p>
+            <a:pPr marL="342900" indent="-342900">
+              <a:buAutoNum type="arabicPeriod"/>
+            </a:pPr>
+            <a:endParaRPr lang="zh-CN" altLang="en-US" sz="1400" dirty="0"/>
+          </a:p>
+          <a:p>
+            <a:r>
+              <a:rPr lang="zh-CN" altLang="en-US" sz="1400" dirty="0"/>
+              <a:t>2. </a:t>
+            </a:r>
+            <a:r>
+              <a:rPr lang="zh-CN" altLang="en-US" sz="1400" dirty="0"/>
+              <a:t>在渲染的时候，我们从camera发射多条光线，对于任意一个pixel，我们知道camera ray的方向，还知道这个pixel的材质和法线，那么就能得到出射光线的cone，我们根据hierarchy的体素信息，把圆锥往前步进，收集所有次级光源对这个方向上的影响。最后渲染到shading point上</a:t>
+            </a:r>
+            <a:r>
+              <a:rPr lang="zh-CN" altLang="en-US" sz="1400" dirty="0" smtClean="0"/>
+              <a:t>。</a:t>
+            </a:r>
+            <a:endParaRPr lang="en-US" altLang="zh-CN" sz="1400" dirty="0" smtClean="0"/>
+          </a:p>
+          <a:p>
+            <a:endParaRPr lang="zh-CN" altLang="en-US" sz="1400" dirty="0"/>
+          </a:p>
+          <a:p>
+            <a:r>
+              <a:rPr lang="zh-CN" altLang="en-US" sz="1400" dirty="0"/>
+              <a:t>缺点：开销太大，动态物体每帧都要体素花，开销太大</a:t>
+            </a:r>
+          </a:p>
+          <a:p>
+            <a:r>
+              <a:rPr lang="zh-CN" altLang="en-US" sz="1400" dirty="0"/>
+              <a:t>优点：质量好</a:t>
+            </a:r>
+          </a:p>
+        </p:txBody>
+      </p:sp>
+      <p:pic>
+        <p:nvPicPr>
+          <p:cNvPr id="6" name="图片 5"/>
+          <p:cNvPicPr>
+            <a:picLocks noChangeAspect="1"/>
+          </p:cNvPicPr>
+          <p:nvPr/>
+        </p:nvPicPr>
+        <p:blipFill>
+          <a:blip r:embed="rId3" cstate="print">
+            <a:extLst>
+              <a:ext uri="{28A0092B-C50C-407E-A947-70E740481C1C}">
+                <a14:useLocalDpi xmlns:a14="http://schemas.microsoft.com/office/drawing/2010/main" val="0"/>
+              </a:ext>
+            </a:extLst>
+          </a:blip>
+          <a:stretch>
+            <a:fillRect/>
+          </a:stretch>
+        </p:blipFill>
+        <p:spPr>
+          <a:xfrm>
+            <a:off x="287748" y="4197214"/>
+            <a:ext cx="4013596" cy="2463914"/>
+          </a:xfrm>
+          <a:prstGeom prst="rect">
+            <a:avLst/>
+          </a:prstGeom>
+        </p:spPr>
+      </p:pic>
+      <p:pic>
+        <p:nvPicPr>
+          <p:cNvPr id="7" name="图片 6"/>
+          <p:cNvPicPr>
+            <a:picLocks noChangeAspect="1"/>
+          </p:cNvPicPr>
+          <p:nvPr/>
+        </p:nvPicPr>
+        <p:blipFill>
+          <a:blip r:embed="rId4"/>
+          <a:stretch>
+            <a:fillRect/>
+          </a:stretch>
+        </p:blipFill>
+        <p:spPr>
+          <a:xfrm>
+            <a:off x="5221539" y="3197687"/>
+            <a:ext cx="5089210" cy="3048866"/>
+          </a:xfrm>
+          <a:prstGeom prst="rect">
+            <a:avLst/>
+          </a:prstGeom>
+        </p:spPr>
+      </p:pic>
     </p:spTree>
     <p:extLst>
       <p:ext uri="{BB962C8B-B14F-4D97-AF65-F5344CB8AC3E}">
         <p14:creationId xmlns:p14="http://schemas.microsoft.com/office/powerpoint/2010/main" val="3515731944"/>
+      </p:ext>
+    </p:extLst>
+  </p:cSld>
+  <p:clrMapOvr>
+    <a:masterClrMapping/>
+  </p:clrMapOvr>
+</p:sld>
+</file>
+
+<file path=ppt/slides/slide6.xml><?xml version="1.0" encoding="utf-8"?>
+<p:sld xmlns:a="http://schemas.openxmlformats.org/drawingml/2006/main" xmlns:r="http://schemas.openxmlformats.org/officeDocument/2006/relationships" xmlns:p="http://schemas.openxmlformats.org/presentationml/2006/main">
+  <p:cSld>
+    <p:spTree>
+      <p:nvGrpSpPr>
+        <p:cNvPr id="1" name=""/>
+        <p:cNvGrpSpPr/>
+        <p:nvPr/>
+      </p:nvGrpSpPr>
+      <p:grpSpPr>
+        <a:xfrm>
+          <a:off x="0" y="0"/>
+          <a:ext cx="0" cy="0"/>
+          <a:chOff x="0" y="0"/>
+          <a:chExt cx="0" cy="0"/>
+        </a:xfrm>
+      </p:grpSpPr>
+      <p:sp>
+        <p:nvSpPr>
+          <p:cNvPr id="4" name="文本框 3"/>
+          <p:cNvSpPr txBox="1"/>
+          <p:nvPr/>
+        </p:nvSpPr>
+        <p:spPr>
+          <a:xfrm>
+            <a:off x="933583" y="537130"/>
+            <a:ext cx="2654894" cy="369332"/>
+          </a:xfrm>
+          <a:prstGeom prst="rect">
+            <a:avLst/>
+          </a:prstGeom>
+          <a:noFill/>
+        </p:spPr>
+        <p:txBody>
+          <a:bodyPr wrap="none" rtlCol="0">
+            <a:spAutoFit/>
+          </a:bodyPr>
+          <a:lstStyle/>
+          <a:p>
+            <a:r>
+              <a:rPr lang="en-US" altLang="zh-CN" dirty="0" smtClean="0"/>
+              <a:t>Mesh Card</a:t>
+            </a:r>
+            <a:r>
+              <a:rPr lang="zh-CN" altLang="en-US" dirty="0" smtClean="0"/>
+              <a:t>和</a:t>
+            </a:r>
+            <a:r>
+              <a:rPr lang="en-US" altLang="zh-CN" dirty="0" smtClean="0"/>
+              <a:t>Mesh Cards</a:t>
+            </a:r>
+            <a:endParaRPr lang="zh-CN" altLang="en-US" dirty="0"/>
+          </a:p>
+        </p:txBody>
+      </p:sp>
+      <p:sp>
+        <p:nvSpPr>
+          <p:cNvPr id="2" name="文本框 1"/>
+          <p:cNvSpPr txBox="1"/>
+          <p:nvPr/>
+        </p:nvSpPr>
+        <p:spPr>
+          <a:xfrm>
+            <a:off x="933583" y="1278881"/>
+            <a:ext cx="4261103" cy="307777"/>
+          </a:xfrm>
+          <a:prstGeom prst="rect">
+            <a:avLst/>
+          </a:prstGeom>
+          <a:noFill/>
+        </p:spPr>
+        <p:txBody>
+          <a:bodyPr wrap="none" rtlCol="0">
+            <a:spAutoFit/>
+          </a:bodyPr>
+          <a:lstStyle/>
+          <a:p>
+            <a:r>
+              <a:rPr lang="en-US" altLang="zh-CN" sz="1400" dirty="0" smtClean="0"/>
+              <a:t>Mesh card</a:t>
+            </a:r>
+            <a:r>
+              <a:rPr lang="zh-CN" altLang="en-US" sz="1400" dirty="0" smtClean="0"/>
+              <a:t>其实就是长宽高都不一样的</a:t>
+            </a:r>
+            <a:r>
+              <a:rPr lang="en-US" altLang="zh-CN" sz="1400" dirty="0" smtClean="0"/>
+              <a:t>voxel</a:t>
+            </a:r>
+            <a:r>
+              <a:rPr lang="zh-CN" altLang="en-US" sz="1400" dirty="0" smtClean="0"/>
+              <a:t>的</a:t>
+            </a:r>
+            <a:r>
+              <a:rPr lang="zh-CN" altLang="en-US" sz="1400" b="1" dirty="0" smtClean="0"/>
+              <a:t>一个面</a:t>
+            </a:r>
+            <a:endParaRPr lang="zh-CN" altLang="en-US" sz="1400" b="1" dirty="0"/>
+          </a:p>
+        </p:txBody>
+      </p:sp>
+      <p:pic>
+        <p:nvPicPr>
+          <p:cNvPr id="5" name="图片 4"/>
+          <p:cNvPicPr>
+            <a:picLocks noChangeAspect="1"/>
+          </p:cNvPicPr>
+          <p:nvPr/>
+        </p:nvPicPr>
+        <p:blipFill>
+          <a:blip r:embed="rId2"/>
+          <a:stretch>
+            <a:fillRect/>
+          </a:stretch>
+        </p:blipFill>
+        <p:spPr>
+          <a:xfrm>
+            <a:off x="933583" y="1835194"/>
+            <a:ext cx="2755012" cy="2960610"/>
+          </a:xfrm>
+          <a:prstGeom prst="rect">
+            <a:avLst/>
+          </a:prstGeom>
+        </p:spPr>
+      </p:pic>
+      <p:sp>
+        <p:nvSpPr>
+          <p:cNvPr id="7" name="文本框 6"/>
+          <p:cNvSpPr txBox="1"/>
+          <p:nvPr/>
+        </p:nvSpPr>
+        <p:spPr>
+          <a:xfrm>
+            <a:off x="3811066" y="3850976"/>
+            <a:ext cx="543739" cy="307777"/>
+          </a:xfrm>
+          <a:prstGeom prst="rect">
+            <a:avLst/>
+          </a:prstGeom>
+          <a:noFill/>
+        </p:spPr>
+        <p:txBody>
+          <a:bodyPr wrap="none" rtlCol="0">
+            <a:spAutoFit/>
+          </a:bodyPr>
+          <a:lstStyle/>
+          <a:p>
+            <a:r>
+              <a:rPr lang="zh-CN" altLang="en-US" sz="1400" dirty="0"/>
+              <a:t>朝向</a:t>
+            </a:r>
+          </a:p>
+        </p:txBody>
+      </p:sp>
+      <p:cxnSp>
+        <p:nvCxnSpPr>
+          <p:cNvPr id="9" name="直接箭头连接符 8"/>
+          <p:cNvCxnSpPr>
+            <a:endCxn id="7" idx="1"/>
+          </p:cNvCxnSpPr>
+          <p:nvPr/>
+        </p:nvCxnSpPr>
+        <p:spPr>
+          <a:xfrm flipV="1">
+            <a:off x="2583340" y="4004865"/>
+            <a:ext cx="1227726" cy="17216"/>
+          </a:xfrm>
+          <a:prstGeom prst="straightConnector1">
+            <a:avLst/>
+          </a:prstGeom>
+          <a:ln>
+            <a:solidFill>
+              <a:srgbClr val="FF0000"/>
+            </a:solidFill>
+            <a:tailEnd type="triangle"/>
+          </a:ln>
+        </p:spPr>
+        <p:style>
+          <a:lnRef idx="1">
+            <a:schemeClr val="accent1"/>
+          </a:lnRef>
+          <a:fillRef idx="0">
+            <a:schemeClr val="accent1"/>
+          </a:fillRef>
+          <a:effectRef idx="0">
+            <a:schemeClr val="accent1"/>
+          </a:effectRef>
+          <a:fontRef idx="minor">
+            <a:schemeClr val="tx1"/>
+          </a:fontRef>
+        </p:style>
+      </p:cxnSp>
+      <p:cxnSp>
+        <p:nvCxnSpPr>
+          <p:cNvPr id="10" name="直接箭头连接符 9"/>
+          <p:cNvCxnSpPr/>
+          <p:nvPr/>
+        </p:nvCxnSpPr>
+        <p:spPr>
+          <a:xfrm flipV="1">
+            <a:off x="2722951" y="3705696"/>
+            <a:ext cx="1227726" cy="17216"/>
+          </a:xfrm>
+          <a:prstGeom prst="straightConnector1">
+            <a:avLst/>
+          </a:prstGeom>
+          <a:ln>
+            <a:solidFill>
+              <a:srgbClr val="FF0000"/>
+            </a:solidFill>
+            <a:tailEnd type="triangle"/>
+          </a:ln>
+        </p:spPr>
+        <p:style>
+          <a:lnRef idx="1">
+            <a:schemeClr val="accent1"/>
+          </a:lnRef>
+          <a:fillRef idx="0">
+            <a:schemeClr val="accent1"/>
+          </a:fillRef>
+          <a:effectRef idx="0">
+            <a:schemeClr val="accent1"/>
+          </a:effectRef>
+          <a:fontRef idx="minor">
+            <a:schemeClr val="tx1"/>
+          </a:fontRef>
+        </p:style>
+      </p:cxnSp>
+      <p:sp>
+        <p:nvSpPr>
+          <p:cNvPr id="11" name="文本框 10"/>
+          <p:cNvSpPr txBox="1"/>
+          <p:nvPr/>
+        </p:nvSpPr>
+        <p:spPr>
+          <a:xfrm>
+            <a:off x="3921940" y="3560415"/>
+            <a:ext cx="1441420" cy="307777"/>
+          </a:xfrm>
+          <a:prstGeom prst="rect">
+            <a:avLst/>
+          </a:prstGeom>
+          <a:noFill/>
+        </p:spPr>
+        <p:txBody>
+          <a:bodyPr wrap="none" rtlCol="0">
+            <a:spAutoFit/>
+          </a:bodyPr>
+          <a:lstStyle/>
+          <a:p>
+            <a:r>
+              <a:rPr lang="zh-CN" altLang="en-US" sz="1400" dirty="0" smtClean="0"/>
+              <a:t>纹理图集的位置</a:t>
+            </a:r>
+            <a:endParaRPr lang="zh-CN" altLang="en-US" sz="1400" dirty="0"/>
+          </a:p>
+        </p:txBody>
+      </p:sp>
+      <p:sp>
+        <p:nvSpPr>
+          <p:cNvPr id="12" name="文本框 11"/>
+          <p:cNvSpPr txBox="1"/>
+          <p:nvPr/>
+        </p:nvSpPr>
+        <p:spPr>
+          <a:xfrm>
+            <a:off x="3692566" y="2702499"/>
+            <a:ext cx="902811" cy="307777"/>
+          </a:xfrm>
+          <a:prstGeom prst="rect">
+            <a:avLst/>
+          </a:prstGeom>
+          <a:noFill/>
+        </p:spPr>
+        <p:txBody>
+          <a:bodyPr wrap="none" rtlCol="0">
+            <a:spAutoFit/>
+          </a:bodyPr>
+          <a:lstStyle/>
+          <a:p>
+            <a:r>
+              <a:rPr lang="zh-CN" altLang="en-US" sz="1400" dirty="0" smtClean="0"/>
+              <a:t>是否可见</a:t>
+            </a:r>
+            <a:endParaRPr lang="zh-CN" altLang="en-US" sz="1400" dirty="0"/>
+          </a:p>
+        </p:txBody>
+      </p:sp>
+      <p:sp>
+        <p:nvSpPr>
+          <p:cNvPr id="13" name="文本框 12"/>
+          <p:cNvSpPr txBox="1"/>
+          <p:nvPr/>
+        </p:nvSpPr>
+        <p:spPr>
+          <a:xfrm>
+            <a:off x="1469948" y="1556191"/>
+            <a:ext cx="1019831" cy="307777"/>
+          </a:xfrm>
+          <a:prstGeom prst="rect">
+            <a:avLst/>
+          </a:prstGeom>
+          <a:noFill/>
+        </p:spPr>
+        <p:txBody>
+          <a:bodyPr wrap="none" rtlCol="0">
+            <a:spAutoFit/>
+          </a:bodyPr>
+          <a:lstStyle/>
+          <a:p>
+            <a:r>
+              <a:rPr lang="en-US" altLang="zh-CN" sz="1400" dirty="0" smtClean="0"/>
+              <a:t>Mesh Card</a:t>
+            </a:r>
+            <a:endParaRPr lang="zh-CN" altLang="en-US" sz="1400" dirty="0"/>
+          </a:p>
+        </p:txBody>
+      </p:sp>
+      <p:pic>
+        <p:nvPicPr>
+          <p:cNvPr id="14" name="图片 13"/>
+          <p:cNvPicPr>
+            <a:picLocks noChangeAspect="1"/>
+          </p:cNvPicPr>
+          <p:nvPr/>
+        </p:nvPicPr>
+        <p:blipFill>
+          <a:blip r:embed="rId3"/>
+          <a:stretch>
+            <a:fillRect/>
+          </a:stretch>
+        </p:blipFill>
+        <p:spPr>
+          <a:xfrm>
+            <a:off x="984738" y="5491224"/>
+            <a:ext cx="2525775" cy="1284915"/>
+          </a:xfrm>
+          <a:prstGeom prst="rect">
+            <a:avLst/>
+          </a:prstGeom>
+        </p:spPr>
+      </p:pic>
+      <p:sp>
+        <p:nvSpPr>
+          <p:cNvPr id="15" name="文本框 14"/>
+          <p:cNvSpPr txBox="1"/>
+          <p:nvPr/>
+        </p:nvSpPr>
+        <p:spPr>
+          <a:xfrm>
+            <a:off x="1469947" y="5183447"/>
+            <a:ext cx="1093569" cy="307777"/>
+          </a:xfrm>
+          <a:prstGeom prst="rect">
+            <a:avLst/>
+          </a:prstGeom>
+          <a:noFill/>
+        </p:spPr>
+        <p:txBody>
+          <a:bodyPr wrap="none" rtlCol="0">
+            <a:spAutoFit/>
+          </a:bodyPr>
+          <a:lstStyle/>
+          <a:p>
+            <a:r>
+              <a:rPr lang="en-US" altLang="zh-CN" sz="1400" dirty="0" smtClean="0"/>
+              <a:t>Mesh Cards</a:t>
+            </a:r>
+            <a:endParaRPr lang="zh-CN" altLang="en-US" sz="1400" dirty="0"/>
+          </a:p>
+        </p:txBody>
+      </p:sp>
+      <p:cxnSp>
+        <p:nvCxnSpPr>
+          <p:cNvPr id="16" name="直接箭头连接符 15"/>
+          <p:cNvCxnSpPr/>
+          <p:nvPr/>
+        </p:nvCxnSpPr>
+        <p:spPr>
+          <a:xfrm flipV="1">
+            <a:off x="2557106" y="2856387"/>
+            <a:ext cx="1227726" cy="17216"/>
+          </a:xfrm>
+          <a:prstGeom prst="straightConnector1">
+            <a:avLst/>
+          </a:prstGeom>
+          <a:ln>
+            <a:solidFill>
+              <a:srgbClr val="FF0000"/>
+            </a:solidFill>
+            <a:tailEnd type="triangle"/>
+          </a:ln>
+        </p:spPr>
+        <p:style>
+          <a:lnRef idx="1">
+            <a:schemeClr val="accent1"/>
+          </a:lnRef>
+          <a:fillRef idx="0">
+            <a:schemeClr val="accent1"/>
+          </a:fillRef>
+          <a:effectRef idx="0">
+            <a:schemeClr val="accent1"/>
+          </a:effectRef>
+          <a:fontRef idx="minor">
+            <a:schemeClr val="tx1"/>
+          </a:fontRef>
+        </p:style>
+      </p:cxnSp>
+      <p:sp>
+        <p:nvSpPr>
+          <p:cNvPr id="17" name="文本框 16"/>
+          <p:cNvSpPr txBox="1"/>
+          <p:nvPr/>
+        </p:nvSpPr>
+        <p:spPr>
+          <a:xfrm>
+            <a:off x="4082935" y="4138697"/>
+            <a:ext cx="598241" cy="307777"/>
+          </a:xfrm>
+          <a:prstGeom prst="rect">
+            <a:avLst/>
+          </a:prstGeom>
+          <a:noFill/>
+        </p:spPr>
+        <p:txBody>
+          <a:bodyPr wrap="none" rtlCol="0">
+            <a:spAutoFit/>
+          </a:bodyPr>
+          <a:lstStyle/>
+          <a:p>
+            <a:r>
+              <a:rPr lang="en-US" altLang="zh-CN" sz="1400" dirty="0" smtClean="0"/>
+              <a:t>index</a:t>
+            </a:r>
+            <a:endParaRPr lang="zh-CN" altLang="en-US" sz="1400" dirty="0"/>
+          </a:p>
+        </p:txBody>
+      </p:sp>
+      <p:cxnSp>
+        <p:nvCxnSpPr>
+          <p:cNvPr id="18" name="直接箭头连接符 17"/>
+          <p:cNvCxnSpPr/>
+          <p:nvPr/>
+        </p:nvCxnSpPr>
+        <p:spPr>
+          <a:xfrm flipV="1">
+            <a:off x="2855209" y="4299784"/>
+            <a:ext cx="1227726" cy="17216"/>
+          </a:xfrm>
+          <a:prstGeom prst="straightConnector1">
+            <a:avLst/>
+          </a:prstGeom>
+          <a:ln>
+            <a:solidFill>
+              <a:srgbClr val="FF0000"/>
+            </a:solidFill>
+            <a:tailEnd type="triangle"/>
+          </a:ln>
+        </p:spPr>
+        <p:style>
+          <a:lnRef idx="1">
+            <a:schemeClr val="accent1"/>
+          </a:lnRef>
+          <a:fillRef idx="0">
+            <a:schemeClr val="accent1"/>
+          </a:fillRef>
+          <a:effectRef idx="0">
+            <a:schemeClr val="accent1"/>
+          </a:effectRef>
+          <a:fontRef idx="minor">
+            <a:schemeClr val="tx1"/>
+          </a:fontRef>
+        </p:style>
+      </p:cxnSp>
+      <p:sp>
+        <p:nvSpPr>
+          <p:cNvPr id="19" name="文本框 18"/>
+          <p:cNvSpPr txBox="1"/>
+          <p:nvPr/>
+        </p:nvSpPr>
+        <p:spPr>
+          <a:xfrm>
+            <a:off x="3804983" y="1990690"/>
+            <a:ext cx="1620957" cy="307777"/>
+          </a:xfrm>
+          <a:prstGeom prst="rect">
+            <a:avLst/>
+          </a:prstGeom>
+          <a:noFill/>
+        </p:spPr>
+        <p:txBody>
+          <a:bodyPr wrap="none" rtlCol="0">
+            <a:spAutoFit/>
+          </a:bodyPr>
+          <a:lstStyle/>
+          <a:p>
+            <a:r>
+              <a:rPr lang="zh-CN" altLang="en-US" sz="1400" dirty="0" smtClean="0"/>
+              <a:t>计算世界坐标位置</a:t>
+            </a:r>
+            <a:endParaRPr lang="zh-CN" altLang="en-US" sz="1400" dirty="0"/>
+          </a:p>
+        </p:txBody>
+      </p:sp>
+      <p:cxnSp>
+        <p:nvCxnSpPr>
+          <p:cNvPr id="20" name="直接箭头连接符 19"/>
+          <p:cNvCxnSpPr>
+            <a:endCxn id="19" idx="1"/>
+          </p:cNvCxnSpPr>
+          <p:nvPr/>
+        </p:nvCxnSpPr>
+        <p:spPr>
+          <a:xfrm flipV="1">
+            <a:off x="2984465" y="2144579"/>
+            <a:ext cx="820518" cy="30148"/>
+          </a:xfrm>
+          <a:prstGeom prst="straightConnector1">
+            <a:avLst/>
+          </a:prstGeom>
+          <a:ln>
+            <a:solidFill>
+              <a:srgbClr val="FF0000"/>
+            </a:solidFill>
+            <a:tailEnd type="triangle"/>
+          </a:ln>
+        </p:spPr>
+        <p:style>
+          <a:lnRef idx="1">
+            <a:schemeClr val="accent1"/>
+          </a:lnRef>
+          <a:fillRef idx="0">
+            <a:schemeClr val="accent1"/>
+          </a:fillRef>
+          <a:effectRef idx="0">
+            <a:schemeClr val="accent1"/>
+          </a:effectRef>
+          <a:fontRef idx="minor">
+            <a:schemeClr val="tx1"/>
+          </a:fontRef>
+        </p:style>
+      </p:cxnSp>
+      <p:cxnSp>
+        <p:nvCxnSpPr>
+          <p:cNvPr id="22" name="直接箭头连接符 21"/>
+          <p:cNvCxnSpPr/>
+          <p:nvPr/>
+        </p:nvCxnSpPr>
+        <p:spPr>
+          <a:xfrm flipV="1">
+            <a:off x="2450271" y="2559388"/>
+            <a:ext cx="1227726" cy="114655"/>
+          </a:xfrm>
+          <a:prstGeom prst="straightConnector1">
+            <a:avLst/>
+          </a:prstGeom>
+          <a:ln>
+            <a:solidFill>
+              <a:srgbClr val="FF0000"/>
+            </a:solidFill>
+            <a:tailEnd type="triangle"/>
+          </a:ln>
+        </p:spPr>
+        <p:style>
+          <a:lnRef idx="1">
+            <a:schemeClr val="accent1"/>
+          </a:lnRef>
+          <a:fillRef idx="0">
+            <a:schemeClr val="accent1"/>
+          </a:fillRef>
+          <a:effectRef idx="0">
+            <a:schemeClr val="accent1"/>
+          </a:effectRef>
+          <a:fontRef idx="minor">
+            <a:schemeClr val="tx1"/>
+          </a:fontRef>
+        </p:style>
+      </p:cxnSp>
+      <p:sp>
+        <p:nvSpPr>
+          <p:cNvPr id="23" name="文本框 22"/>
+          <p:cNvSpPr txBox="1"/>
+          <p:nvPr/>
+        </p:nvSpPr>
+        <p:spPr>
+          <a:xfrm>
+            <a:off x="3677997" y="2426531"/>
+            <a:ext cx="543739" cy="307777"/>
+          </a:xfrm>
+          <a:prstGeom prst="rect">
+            <a:avLst/>
+          </a:prstGeom>
+          <a:noFill/>
+        </p:spPr>
+        <p:txBody>
+          <a:bodyPr wrap="none" rtlCol="0">
+            <a:spAutoFit/>
+          </a:bodyPr>
+          <a:lstStyle/>
+          <a:p>
+            <a:r>
+              <a:rPr lang="zh-CN" altLang="en-US" sz="1400" dirty="0"/>
+              <a:t>大小</a:t>
+            </a:r>
+          </a:p>
+        </p:txBody>
+      </p:sp>
+      <p:cxnSp>
+        <p:nvCxnSpPr>
+          <p:cNvPr id="25" name="直接箭头连接符 24"/>
+          <p:cNvCxnSpPr>
+            <a:endCxn id="19" idx="1"/>
+          </p:cNvCxnSpPr>
+          <p:nvPr/>
+        </p:nvCxnSpPr>
+        <p:spPr>
+          <a:xfrm flipV="1">
+            <a:off x="2036041" y="2144579"/>
+            <a:ext cx="1768942" cy="419780"/>
+          </a:xfrm>
+          <a:prstGeom prst="straightConnector1">
+            <a:avLst/>
+          </a:prstGeom>
+          <a:ln>
+            <a:solidFill>
+              <a:srgbClr val="FF0000"/>
+            </a:solidFill>
+            <a:tailEnd type="triangle"/>
+          </a:ln>
+        </p:spPr>
+        <p:style>
+          <a:lnRef idx="1">
+            <a:schemeClr val="accent1"/>
+          </a:lnRef>
+          <a:fillRef idx="0">
+            <a:schemeClr val="accent1"/>
+          </a:fillRef>
+          <a:effectRef idx="0">
+            <a:schemeClr val="accent1"/>
+          </a:effectRef>
+          <a:fontRef idx="minor">
+            <a:schemeClr val="tx1"/>
+          </a:fontRef>
+        </p:style>
+      </p:cxnSp>
+      <p:sp>
+        <p:nvSpPr>
+          <p:cNvPr id="27" name="文本框 26"/>
+          <p:cNvSpPr txBox="1"/>
+          <p:nvPr/>
+        </p:nvSpPr>
+        <p:spPr>
+          <a:xfrm>
+            <a:off x="6419983" y="1248414"/>
+            <a:ext cx="4872537" cy="954107"/>
+          </a:xfrm>
+          <a:prstGeom prst="rect">
+            <a:avLst/>
+          </a:prstGeom>
+          <a:noFill/>
+        </p:spPr>
+        <p:txBody>
+          <a:bodyPr wrap="square" rtlCol="0">
+            <a:spAutoFit/>
+          </a:bodyPr>
+          <a:lstStyle/>
+          <a:p>
+            <a:r>
+              <a:rPr lang="en-US" altLang="zh-CN" sz="1400" dirty="0" err="1" smtClean="0"/>
+              <a:t>MeshCard</a:t>
+            </a:r>
+            <a:r>
+              <a:rPr lang="zh-CN" altLang="en-US" sz="1400" dirty="0" smtClean="0"/>
+              <a:t>是</a:t>
+            </a:r>
+            <a:r>
+              <a:rPr lang="en-US" altLang="zh-CN" sz="1400" dirty="0" smtClean="0"/>
+              <a:t>Lumen Scene</a:t>
+            </a:r>
+            <a:r>
+              <a:rPr lang="zh-CN" altLang="en-US" sz="1400" dirty="0" smtClean="0"/>
+              <a:t>的基本组件（</a:t>
+            </a:r>
+            <a:r>
+              <a:rPr lang="en-US" altLang="zh-CN" sz="1400" dirty="0" smtClean="0"/>
+              <a:t>Lumen Scene</a:t>
+            </a:r>
+            <a:r>
+              <a:rPr lang="zh-CN" altLang="en-US" sz="1400" dirty="0" smtClean="0"/>
+              <a:t>里面不会直接操作模型，</a:t>
+            </a:r>
+            <a:r>
+              <a:rPr lang="en-US" altLang="zh-CN" sz="1400" dirty="0" err="1" smtClean="0"/>
+              <a:t>MeshCard</a:t>
+            </a:r>
+            <a:r>
+              <a:rPr lang="zh-CN" altLang="en-US" sz="1400" dirty="0" smtClean="0"/>
+              <a:t>可以认为是模型的</a:t>
+            </a:r>
+            <a:r>
+              <a:rPr lang="en-US" altLang="zh-CN" sz="1400" dirty="0" smtClean="0"/>
+              <a:t>proxy mesh</a:t>
+            </a:r>
+            <a:r>
+              <a:rPr lang="zh-CN" altLang="en-US" sz="1400" dirty="0" smtClean="0"/>
+              <a:t>），他可以缓存光照信息。六个不同</a:t>
+            </a:r>
+            <a:r>
+              <a:rPr lang="en-US" altLang="zh-CN" sz="1400" dirty="0" smtClean="0"/>
+              <a:t>orientation</a:t>
+            </a:r>
+            <a:r>
+              <a:rPr lang="zh-CN" altLang="en-US" sz="1400" dirty="0" smtClean="0"/>
+              <a:t>的</a:t>
+            </a:r>
+            <a:r>
+              <a:rPr lang="en-US" altLang="zh-CN" sz="1400" dirty="0" err="1" smtClean="0"/>
+              <a:t>MeshCard</a:t>
+            </a:r>
+            <a:r>
+              <a:rPr lang="zh-CN" altLang="en-US" sz="1400" dirty="0" smtClean="0"/>
+              <a:t>组成的立方体类似于</a:t>
+            </a:r>
+            <a:r>
+              <a:rPr lang="en-US" altLang="zh-CN" sz="1400" dirty="0" smtClean="0"/>
+              <a:t>SH</a:t>
+            </a:r>
+            <a:r>
+              <a:rPr lang="zh-CN" altLang="en-US" sz="1400" dirty="0" smtClean="0"/>
+              <a:t>的作用（基底）。</a:t>
+            </a:r>
+            <a:endParaRPr lang="zh-CN" altLang="en-US" sz="1400" dirty="0"/>
+          </a:p>
+        </p:txBody>
+      </p:sp>
+      <p:pic>
+        <p:nvPicPr>
+          <p:cNvPr id="28" name="图片 27"/>
+          <p:cNvPicPr>
+            <a:picLocks noChangeAspect="1"/>
+          </p:cNvPicPr>
+          <p:nvPr/>
+        </p:nvPicPr>
+        <p:blipFill>
+          <a:blip r:embed="rId4"/>
+          <a:stretch>
+            <a:fillRect/>
+          </a:stretch>
+        </p:blipFill>
+        <p:spPr>
+          <a:xfrm>
+            <a:off x="6433009" y="2738801"/>
+            <a:ext cx="4561555" cy="2839904"/>
+          </a:xfrm>
+          <a:prstGeom prst="rect">
+            <a:avLst/>
+          </a:prstGeom>
+        </p:spPr>
+      </p:pic>
+    </p:spTree>
+    <p:extLst>
+      <p:ext uri="{BB962C8B-B14F-4D97-AF65-F5344CB8AC3E}">
+        <p14:creationId xmlns:p14="http://schemas.microsoft.com/office/powerpoint/2010/main" val="2790543406"/>
+      </p:ext>
+    </p:extLst>
+  </p:cSld>
+  <p:clrMapOvr>
+    <a:masterClrMapping/>
+  </p:clrMapOvr>
+</p:sld>
+</file>
+
+<file path=ppt/slides/slide7.xml><?xml version="1.0" encoding="utf-8"?>
+<p:sld xmlns:a="http://schemas.openxmlformats.org/drawingml/2006/main" xmlns:r="http://schemas.openxmlformats.org/officeDocument/2006/relationships" xmlns:p="http://schemas.openxmlformats.org/presentationml/2006/main">
+  <p:cSld>
+    <p:spTree>
+      <p:nvGrpSpPr>
+        <p:cNvPr id="1" name=""/>
+        <p:cNvGrpSpPr/>
+        <p:nvPr/>
+      </p:nvGrpSpPr>
+      <p:grpSpPr>
+        <a:xfrm>
+          <a:off x="0" y="0"/>
+          <a:ext cx="0" cy="0"/>
+          <a:chOff x="0" y="0"/>
+          <a:chExt cx="0" cy="0"/>
+        </a:xfrm>
+      </p:grpSpPr>
+      <p:sp>
+        <p:nvSpPr>
+          <p:cNvPr id="4" name="文本框 3"/>
+          <p:cNvSpPr txBox="1"/>
+          <p:nvPr/>
+        </p:nvSpPr>
+        <p:spPr>
+          <a:xfrm>
+            <a:off x="933583" y="537130"/>
+            <a:ext cx="2669320" cy="369332"/>
+          </a:xfrm>
+          <a:prstGeom prst="rect">
+            <a:avLst/>
+          </a:prstGeom>
+          <a:noFill/>
+        </p:spPr>
+        <p:txBody>
+          <a:bodyPr wrap="none" rtlCol="0">
+            <a:spAutoFit/>
+          </a:bodyPr>
+          <a:lstStyle/>
+          <a:p>
+            <a:r>
+              <a:rPr lang="en-US" altLang="zh-CN" dirty="0" smtClean="0"/>
+              <a:t>LumenSceneLighting</a:t>
+            </a:r>
+            <a:r>
+              <a:rPr lang="en-US" altLang="zh-CN" dirty="0" smtClean="0"/>
+              <a:t>.cpp</a:t>
+            </a:r>
+            <a:endParaRPr lang="zh-CN" altLang="en-US" dirty="0"/>
+          </a:p>
+        </p:txBody>
+      </p:sp>
+    </p:spTree>
+    <p:extLst>
+      <p:ext uri="{BB962C8B-B14F-4D97-AF65-F5344CB8AC3E}">
+        <p14:creationId xmlns:p14="http://schemas.microsoft.com/office/powerpoint/2010/main" val="1990301059"/>
+      </p:ext>
+    </p:extLst>
+  </p:cSld>
+  <p:clrMapOvr>
+    <a:masterClrMapping/>
+  </p:clrMapOvr>
+</p:sld>
+</file>
+
+<file path=ppt/slides/slide8.xml><?xml version="1.0" encoding="utf-8"?>
+<p:sld xmlns:a="http://schemas.openxmlformats.org/drawingml/2006/main" xmlns:r="http://schemas.openxmlformats.org/officeDocument/2006/relationships" xmlns:p="http://schemas.openxmlformats.org/presentationml/2006/main">
+  <p:cSld>
+    <p:spTree>
+      <p:nvGrpSpPr>
+        <p:cNvPr id="1" name=""/>
+        <p:cNvGrpSpPr/>
+        <p:nvPr/>
+      </p:nvGrpSpPr>
+      <p:grpSpPr>
+        <a:xfrm>
+          <a:off x="0" y="0"/>
+          <a:ext cx="0" cy="0"/>
+          <a:chOff x="0" y="0"/>
+          <a:chExt cx="0" cy="0"/>
+        </a:xfrm>
+      </p:grpSpPr>
+      <p:sp>
+        <p:nvSpPr>
+          <p:cNvPr id="4" name="文本框 3"/>
+          <p:cNvSpPr txBox="1"/>
+          <p:nvPr/>
+        </p:nvSpPr>
+        <p:spPr>
+          <a:xfrm>
+            <a:off x="933583" y="537130"/>
+            <a:ext cx="2784737" cy="369332"/>
+          </a:xfrm>
+          <a:prstGeom prst="rect">
+            <a:avLst/>
+          </a:prstGeom>
+          <a:noFill/>
+        </p:spPr>
+        <p:txBody>
+          <a:bodyPr wrap="none" rtlCol="0">
+            <a:spAutoFit/>
+          </a:bodyPr>
+          <a:lstStyle/>
+          <a:p>
+            <a:r>
+              <a:rPr lang="en-US" altLang="zh-CN" dirty="0" smtClean="0"/>
+              <a:t>LumenRadianceCache.cpp</a:t>
+            </a:r>
+            <a:endParaRPr lang="zh-CN" altLang="en-US" dirty="0"/>
+          </a:p>
+        </p:txBody>
+      </p:sp>
+    </p:spTree>
+    <p:extLst>
+      <p:ext uri="{BB962C8B-B14F-4D97-AF65-F5344CB8AC3E}">
+        <p14:creationId xmlns:p14="http://schemas.microsoft.com/office/powerpoint/2010/main" val="3265358579"/>
+      </p:ext>
+    </p:extLst>
+  </p:cSld>
+  <p:clrMapOvr>
+    <a:masterClrMapping/>
+  </p:clrMapOvr>
+</p:sld>
+</file>
+
+<file path=ppt/slides/slide9.xml><?xml version="1.0" encoding="utf-8"?>
+<p:sld xmlns:a="http://schemas.openxmlformats.org/drawingml/2006/main" xmlns:r="http://schemas.openxmlformats.org/officeDocument/2006/relationships" xmlns:p="http://schemas.openxmlformats.org/presentationml/2006/main">
+  <p:cSld>
+    <p:spTree>
+      <p:nvGrpSpPr>
+        <p:cNvPr id="1" name=""/>
+        <p:cNvGrpSpPr/>
+        <p:nvPr/>
+      </p:nvGrpSpPr>
+      <p:grpSpPr>
+        <a:xfrm>
+          <a:off x="0" y="0"/>
+          <a:ext cx="0" cy="0"/>
+          <a:chOff x="0" y="0"/>
+          <a:chExt cx="0" cy="0"/>
+        </a:xfrm>
+      </p:grpSpPr>
+      <p:sp>
+        <p:nvSpPr>
+          <p:cNvPr id="4" name="文本框 3"/>
+          <p:cNvSpPr txBox="1"/>
+          <p:nvPr/>
+        </p:nvSpPr>
+        <p:spPr>
+          <a:xfrm>
+            <a:off x="933583" y="537130"/>
+            <a:ext cx="3392275" cy="369332"/>
+          </a:xfrm>
+          <a:prstGeom prst="rect">
+            <a:avLst/>
+          </a:prstGeom>
+          <a:noFill/>
+        </p:spPr>
+        <p:txBody>
+          <a:bodyPr wrap="none" rtlCol="0">
+            <a:spAutoFit/>
+          </a:bodyPr>
+          <a:lstStyle/>
+          <a:p>
+            <a:r>
+              <a:rPr lang="en-US" altLang="zh-CN" dirty="0" smtClean="0"/>
+              <a:t>LumenIrradianceFieldGather.cpp</a:t>
+            </a:r>
+            <a:endParaRPr lang="zh-CN" altLang="en-US" dirty="0"/>
+          </a:p>
+        </p:txBody>
+      </p:sp>
+    </p:spTree>
+    <p:extLst>
+      <p:ext uri="{BB962C8B-B14F-4D97-AF65-F5344CB8AC3E}">
+        <p14:creationId xmlns:p14="http://schemas.microsoft.com/office/powerpoint/2010/main" val="1418804606"/>
       </p:ext>
     </p:extLst>
   </p:cSld>
